--- a/前端环境搭建及相关技术简介.pptx
+++ b/前端环境搭建及相关技术简介.pptx
@@ -4,22 +4,21 @@
   <p:sldMasterIdLst>
     <p:sldMasterId id="2147483648" r:id="rId1"/>
   </p:sldMasterIdLst>
+  <p:notesMasterIdLst>
+    <p:notesMasterId r:id="rId13"/>
+  </p:notesMasterIdLst>
   <p:sldIdLst>
     <p:sldId id="256" r:id="rId2"/>
     <p:sldId id="257" r:id="rId3"/>
-    <p:sldId id="276" r:id="rId4"/>
-    <p:sldId id="277" r:id="rId5"/>
-    <p:sldId id="273" r:id="rId6"/>
-    <p:sldId id="258" r:id="rId7"/>
-    <p:sldId id="262" r:id="rId8"/>
-    <p:sldId id="274" r:id="rId9"/>
-    <p:sldId id="280" r:id="rId10"/>
-    <p:sldId id="275" r:id="rId11"/>
-    <p:sldId id="279" r:id="rId12"/>
-    <p:sldId id="278" r:id="rId13"/>
-    <p:sldId id="269" r:id="rId14"/>
-    <p:sldId id="271" r:id="rId15"/>
-    <p:sldId id="281" r:id="rId16"/>
+    <p:sldId id="278" r:id="rId4"/>
+    <p:sldId id="280" r:id="rId5"/>
+    <p:sldId id="275" r:id="rId6"/>
+    <p:sldId id="279" r:id="rId7"/>
+    <p:sldId id="258" r:id="rId8"/>
+    <p:sldId id="262" r:id="rId9"/>
+    <p:sldId id="274" r:id="rId10"/>
+    <p:sldId id="281" r:id="rId11"/>
+    <p:sldId id="277" r:id="rId12"/>
   </p:sldIdLst>
   <p:sldSz cx="12192000" cy="6858000"/>
   <p:notesSz cx="6858000" cy="9144000"/>
@@ -126,6 +125,627 @@
 </p:presentation>
 </file>
 
+<file path=ppt/notesMasters/notesMaster1.xml><?xml version="1.0" encoding="utf-8"?>
+<p:notesMaster xmlns:a="http://schemas.openxmlformats.org/drawingml/2006/main" xmlns:r="http://schemas.openxmlformats.org/officeDocument/2006/relationships" xmlns:p="http://schemas.openxmlformats.org/presentationml/2006/main">
+  <p:cSld>
+    <p:bg>
+      <p:bgRef idx="1001">
+        <a:schemeClr val="bg1"/>
+      </p:bgRef>
+    </p:bg>
+    <p:spTree>
+      <p:nvGrpSpPr>
+        <p:cNvPr id="1" name=""/>
+        <p:cNvGrpSpPr/>
+        <p:nvPr/>
+      </p:nvGrpSpPr>
+      <p:grpSpPr>
+        <a:xfrm>
+          <a:off x="0" y="0"/>
+          <a:ext cx="0" cy="0"/>
+          <a:chOff x="0" y="0"/>
+          <a:chExt cx="0" cy="0"/>
+        </a:xfrm>
+      </p:grpSpPr>
+      <p:sp>
+        <p:nvSpPr>
+          <p:cNvPr id="2" name="页眉占位符 1"/>
+          <p:cNvSpPr>
+            <a:spLocks noGrp="1"/>
+          </p:cNvSpPr>
+          <p:nvPr>
+            <p:ph type="hdr" sz="quarter"/>
+          </p:nvPr>
+        </p:nvSpPr>
+        <p:spPr>
+          <a:xfrm>
+            <a:off x="0" y="0"/>
+            <a:ext cx="2971800" cy="458788"/>
+          </a:xfrm>
+          <a:prstGeom prst="rect">
+            <a:avLst/>
+          </a:prstGeom>
+        </p:spPr>
+        <p:txBody>
+          <a:bodyPr vert="horz" lIns="91440" tIns="45720" rIns="91440" bIns="45720" rtlCol="0"/>
+          <a:lstStyle>
+            <a:lvl1pPr algn="l">
+              <a:defRPr sz="1200"/>
+            </a:lvl1pPr>
+          </a:lstStyle>
+          <a:p>
+            <a:endParaRPr lang="zh-CN" altLang="en-US"/>
+          </a:p>
+        </p:txBody>
+      </p:sp>
+      <p:sp>
+        <p:nvSpPr>
+          <p:cNvPr id="3" name="日期占位符 2"/>
+          <p:cNvSpPr>
+            <a:spLocks noGrp="1"/>
+          </p:cNvSpPr>
+          <p:nvPr>
+            <p:ph type="dt" idx="1"/>
+          </p:nvPr>
+        </p:nvSpPr>
+        <p:spPr>
+          <a:xfrm>
+            <a:off x="3884613" y="0"/>
+            <a:ext cx="2971800" cy="458788"/>
+          </a:xfrm>
+          <a:prstGeom prst="rect">
+            <a:avLst/>
+          </a:prstGeom>
+        </p:spPr>
+        <p:txBody>
+          <a:bodyPr vert="horz" lIns="91440" tIns="45720" rIns="91440" bIns="45720" rtlCol="0"/>
+          <a:lstStyle>
+            <a:lvl1pPr algn="r">
+              <a:defRPr sz="1200"/>
+            </a:lvl1pPr>
+          </a:lstStyle>
+          <a:p>
+            <a:fld id="{9E45F474-657C-4747-BE1A-FCE7F463514C}" type="datetimeFigureOut">
+              <a:rPr lang="zh-CN" altLang="en-US" smtClean="0"/>
+              <a:t>2016/4/17</a:t>
+            </a:fld>
+            <a:endParaRPr lang="zh-CN" altLang="en-US"/>
+          </a:p>
+        </p:txBody>
+      </p:sp>
+      <p:sp>
+        <p:nvSpPr>
+          <p:cNvPr id="4" name="幻灯片图像占位符 3"/>
+          <p:cNvSpPr>
+            <a:spLocks noGrp="1" noRot="1" noChangeAspect="1"/>
+          </p:cNvSpPr>
+          <p:nvPr>
+            <p:ph type="sldImg" idx="2"/>
+          </p:nvPr>
+        </p:nvSpPr>
+        <p:spPr>
+          <a:xfrm>
+            <a:off x="685800" y="1143000"/>
+            <a:ext cx="5486400" cy="3086100"/>
+          </a:xfrm>
+          <a:prstGeom prst="rect">
+            <a:avLst/>
+          </a:prstGeom>
+          <a:noFill/>
+          <a:ln w="12700">
+            <a:solidFill>
+              <a:prstClr val="black"/>
+            </a:solidFill>
+          </a:ln>
+        </p:spPr>
+        <p:txBody>
+          <a:bodyPr vert="horz" lIns="91440" tIns="45720" rIns="91440" bIns="45720" rtlCol="0" anchor="ctr"/>
+          <a:lstStyle/>
+          <a:p>
+            <a:endParaRPr lang="zh-CN" altLang="en-US"/>
+          </a:p>
+        </p:txBody>
+      </p:sp>
+      <p:sp>
+        <p:nvSpPr>
+          <p:cNvPr id="5" name="备注占位符 4"/>
+          <p:cNvSpPr>
+            <a:spLocks noGrp="1"/>
+          </p:cNvSpPr>
+          <p:nvPr>
+            <p:ph type="body" sz="quarter" idx="3"/>
+          </p:nvPr>
+        </p:nvSpPr>
+        <p:spPr>
+          <a:xfrm>
+            <a:off x="685800" y="4400550"/>
+            <a:ext cx="5486400" cy="3600450"/>
+          </a:xfrm>
+          <a:prstGeom prst="rect">
+            <a:avLst/>
+          </a:prstGeom>
+        </p:spPr>
+        <p:txBody>
+          <a:bodyPr vert="horz" lIns="91440" tIns="45720" rIns="91440" bIns="45720" rtlCol="0"/>
+          <a:lstStyle/>
+          <a:p>
+            <a:pPr lvl="0"/>
+            <a:r>
+              <a:rPr lang="zh-CN" altLang="en-US" smtClean="0"/>
+              <a:t>编辑母版文本样式</a:t>
+            </a:r>
+          </a:p>
+          <a:p>
+            <a:pPr lvl="1"/>
+            <a:r>
+              <a:rPr lang="zh-CN" altLang="en-US" smtClean="0"/>
+              <a:t>第二级</a:t>
+            </a:r>
+          </a:p>
+          <a:p>
+            <a:pPr lvl="2"/>
+            <a:r>
+              <a:rPr lang="zh-CN" altLang="en-US" smtClean="0"/>
+              <a:t>第三级</a:t>
+            </a:r>
+          </a:p>
+          <a:p>
+            <a:pPr lvl="3"/>
+            <a:r>
+              <a:rPr lang="zh-CN" altLang="en-US" smtClean="0"/>
+              <a:t>第四级</a:t>
+            </a:r>
+          </a:p>
+          <a:p>
+            <a:pPr lvl="4"/>
+            <a:r>
+              <a:rPr lang="zh-CN" altLang="en-US" smtClean="0"/>
+              <a:t>第五级</a:t>
+            </a:r>
+            <a:endParaRPr lang="zh-CN" altLang="en-US"/>
+          </a:p>
+        </p:txBody>
+      </p:sp>
+      <p:sp>
+        <p:nvSpPr>
+          <p:cNvPr id="6" name="页脚占位符 5"/>
+          <p:cNvSpPr>
+            <a:spLocks noGrp="1"/>
+          </p:cNvSpPr>
+          <p:nvPr>
+            <p:ph type="ftr" sz="quarter" idx="4"/>
+          </p:nvPr>
+        </p:nvSpPr>
+        <p:spPr>
+          <a:xfrm>
+            <a:off x="0" y="8685213"/>
+            <a:ext cx="2971800" cy="458787"/>
+          </a:xfrm>
+          <a:prstGeom prst="rect">
+            <a:avLst/>
+          </a:prstGeom>
+        </p:spPr>
+        <p:txBody>
+          <a:bodyPr vert="horz" lIns="91440" tIns="45720" rIns="91440" bIns="45720" rtlCol="0" anchor="b"/>
+          <a:lstStyle>
+            <a:lvl1pPr algn="l">
+              <a:defRPr sz="1200"/>
+            </a:lvl1pPr>
+          </a:lstStyle>
+          <a:p>
+            <a:endParaRPr lang="zh-CN" altLang="en-US"/>
+          </a:p>
+        </p:txBody>
+      </p:sp>
+      <p:sp>
+        <p:nvSpPr>
+          <p:cNvPr id="7" name="灯片编号占位符 6"/>
+          <p:cNvSpPr>
+            <a:spLocks noGrp="1"/>
+          </p:cNvSpPr>
+          <p:nvPr>
+            <p:ph type="sldNum" sz="quarter" idx="5"/>
+          </p:nvPr>
+        </p:nvSpPr>
+        <p:spPr>
+          <a:xfrm>
+            <a:off x="3884613" y="8685213"/>
+            <a:ext cx="2971800" cy="458787"/>
+          </a:xfrm>
+          <a:prstGeom prst="rect">
+            <a:avLst/>
+          </a:prstGeom>
+        </p:spPr>
+        <p:txBody>
+          <a:bodyPr vert="horz" lIns="91440" tIns="45720" rIns="91440" bIns="45720" rtlCol="0" anchor="b"/>
+          <a:lstStyle>
+            <a:lvl1pPr algn="r">
+              <a:defRPr sz="1200"/>
+            </a:lvl1pPr>
+          </a:lstStyle>
+          <a:p>
+            <a:fld id="{4D9468EC-A770-4017-BAE1-BBF9D1D877FD}" type="slidenum">
+              <a:rPr lang="zh-CN" altLang="en-US" smtClean="0"/>
+              <a:t>‹#›</a:t>
+            </a:fld>
+            <a:endParaRPr lang="zh-CN" altLang="en-US"/>
+          </a:p>
+        </p:txBody>
+      </p:sp>
+    </p:spTree>
+    <p:extLst>
+      <p:ext uri="{BB962C8B-B14F-4D97-AF65-F5344CB8AC3E}">
+        <p14:creationId xmlns:p14="http://schemas.microsoft.com/office/powerpoint/2010/main" val="3289730748"/>
+      </p:ext>
+    </p:extLst>
+  </p:cSld>
+  <p:clrMap bg1="lt1" tx1="dk1" bg2="lt2" tx2="dk2" accent1="accent1" accent2="accent2" accent3="accent3" accent4="accent4" accent5="accent5" accent6="accent6" hlink="hlink" folHlink="folHlink"/>
+  <p:notesStyle>
+    <a:lvl1pPr marL="0" algn="l" defTabSz="914400" rtl="0" eaLnBrk="1" latinLnBrk="0" hangingPunct="1">
+      <a:defRPr sz="1200" kern="1200">
+        <a:solidFill>
+          <a:schemeClr val="tx1"/>
+        </a:solidFill>
+        <a:latin typeface="+mn-lt"/>
+        <a:ea typeface="+mn-ea"/>
+        <a:cs typeface="+mn-cs"/>
+      </a:defRPr>
+    </a:lvl1pPr>
+    <a:lvl2pPr marL="457200" algn="l" defTabSz="914400" rtl="0" eaLnBrk="1" latinLnBrk="0" hangingPunct="1">
+      <a:defRPr sz="1200" kern="1200">
+        <a:solidFill>
+          <a:schemeClr val="tx1"/>
+        </a:solidFill>
+        <a:latin typeface="+mn-lt"/>
+        <a:ea typeface="+mn-ea"/>
+        <a:cs typeface="+mn-cs"/>
+      </a:defRPr>
+    </a:lvl2pPr>
+    <a:lvl3pPr marL="914400" algn="l" defTabSz="914400" rtl="0" eaLnBrk="1" latinLnBrk="0" hangingPunct="1">
+      <a:defRPr sz="1200" kern="1200">
+        <a:solidFill>
+          <a:schemeClr val="tx1"/>
+        </a:solidFill>
+        <a:latin typeface="+mn-lt"/>
+        <a:ea typeface="+mn-ea"/>
+        <a:cs typeface="+mn-cs"/>
+      </a:defRPr>
+    </a:lvl3pPr>
+    <a:lvl4pPr marL="1371600" algn="l" defTabSz="914400" rtl="0" eaLnBrk="1" latinLnBrk="0" hangingPunct="1">
+      <a:defRPr sz="1200" kern="1200">
+        <a:solidFill>
+          <a:schemeClr val="tx1"/>
+        </a:solidFill>
+        <a:latin typeface="+mn-lt"/>
+        <a:ea typeface="+mn-ea"/>
+        <a:cs typeface="+mn-cs"/>
+      </a:defRPr>
+    </a:lvl4pPr>
+    <a:lvl5pPr marL="1828800" algn="l" defTabSz="914400" rtl="0" eaLnBrk="1" latinLnBrk="0" hangingPunct="1">
+      <a:defRPr sz="1200" kern="1200">
+        <a:solidFill>
+          <a:schemeClr val="tx1"/>
+        </a:solidFill>
+        <a:latin typeface="+mn-lt"/>
+        <a:ea typeface="+mn-ea"/>
+        <a:cs typeface="+mn-cs"/>
+      </a:defRPr>
+    </a:lvl5pPr>
+    <a:lvl6pPr marL="2286000" algn="l" defTabSz="914400" rtl="0" eaLnBrk="1" latinLnBrk="0" hangingPunct="1">
+      <a:defRPr sz="1200" kern="1200">
+        <a:solidFill>
+          <a:schemeClr val="tx1"/>
+        </a:solidFill>
+        <a:latin typeface="+mn-lt"/>
+        <a:ea typeface="+mn-ea"/>
+        <a:cs typeface="+mn-cs"/>
+      </a:defRPr>
+    </a:lvl6pPr>
+    <a:lvl7pPr marL="2743200" algn="l" defTabSz="914400" rtl="0" eaLnBrk="1" latinLnBrk="0" hangingPunct="1">
+      <a:defRPr sz="1200" kern="1200">
+        <a:solidFill>
+          <a:schemeClr val="tx1"/>
+        </a:solidFill>
+        <a:latin typeface="+mn-lt"/>
+        <a:ea typeface="+mn-ea"/>
+        <a:cs typeface="+mn-cs"/>
+      </a:defRPr>
+    </a:lvl7pPr>
+    <a:lvl8pPr marL="3200400" algn="l" defTabSz="914400" rtl="0" eaLnBrk="1" latinLnBrk="0" hangingPunct="1">
+      <a:defRPr sz="1200" kern="1200">
+        <a:solidFill>
+          <a:schemeClr val="tx1"/>
+        </a:solidFill>
+        <a:latin typeface="+mn-lt"/>
+        <a:ea typeface="+mn-ea"/>
+        <a:cs typeface="+mn-cs"/>
+      </a:defRPr>
+    </a:lvl8pPr>
+    <a:lvl9pPr marL="3657600" algn="l" defTabSz="914400" rtl="0" eaLnBrk="1" latinLnBrk="0" hangingPunct="1">
+      <a:defRPr sz="1200" kern="1200">
+        <a:solidFill>
+          <a:schemeClr val="tx1"/>
+        </a:solidFill>
+        <a:latin typeface="+mn-lt"/>
+        <a:ea typeface="+mn-ea"/>
+        <a:cs typeface="+mn-cs"/>
+      </a:defRPr>
+    </a:lvl9pPr>
+  </p:notesStyle>
+</p:notesMaster>
+</file>
+
+<file path=ppt/notesSlides/notesSlide1.xml><?xml version="1.0" encoding="utf-8"?>
+<p:notes xmlns:a="http://schemas.openxmlformats.org/drawingml/2006/main" xmlns:r="http://schemas.openxmlformats.org/officeDocument/2006/relationships" xmlns:p="http://schemas.openxmlformats.org/presentationml/2006/main">
+  <p:cSld>
+    <p:spTree>
+      <p:nvGrpSpPr>
+        <p:cNvPr id="1" name=""/>
+        <p:cNvGrpSpPr/>
+        <p:nvPr/>
+      </p:nvGrpSpPr>
+      <p:grpSpPr>
+        <a:xfrm>
+          <a:off x="0" y="0"/>
+          <a:ext cx="0" cy="0"/>
+          <a:chOff x="0" y="0"/>
+          <a:chExt cx="0" cy="0"/>
+        </a:xfrm>
+      </p:grpSpPr>
+      <p:sp>
+        <p:nvSpPr>
+          <p:cNvPr id="2" name="幻灯片图像占位符 1"/>
+          <p:cNvSpPr>
+            <a:spLocks noGrp="1" noRot="1" noChangeAspect="1"/>
+          </p:cNvSpPr>
+          <p:nvPr>
+            <p:ph type="sldImg"/>
+          </p:nvPr>
+        </p:nvSpPr>
+        <p:spPr/>
+      </p:sp>
+      <p:sp>
+        <p:nvSpPr>
+          <p:cNvPr id="3" name="备注占位符 2"/>
+          <p:cNvSpPr>
+            <a:spLocks noGrp="1"/>
+          </p:cNvSpPr>
+          <p:nvPr>
+            <p:ph type="body" idx="1"/>
+          </p:nvPr>
+        </p:nvSpPr>
+        <p:spPr/>
+        <p:txBody>
+          <a:bodyPr/>
+          <a:lstStyle/>
+          <a:p>
+            <a:endParaRPr lang="zh-CN" altLang="en-US" dirty="0"/>
+          </a:p>
+        </p:txBody>
+      </p:sp>
+      <p:sp>
+        <p:nvSpPr>
+          <p:cNvPr id="4" name="灯片编号占位符 3"/>
+          <p:cNvSpPr>
+            <a:spLocks noGrp="1"/>
+          </p:cNvSpPr>
+          <p:nvPr>
+            <p:ph type="sldNum" sz="quarter" idx="10"/>
+          </p:nvPr>
+        </p:nvSpPr>
+        <p:spPr/>
+        <p:txBody>
+          <a:bodyPr/>
+          <a:lstStyle/>
+          <a:p>
+            <a:fld id="{4D9468EC-A770-4017-BAE1-BBF9D1D877FD}" type="slidenum">
+              <a:rPr lang="zh-CN" altLang="en-US" smtClean="0"/>
+              <a:t>1</a:t>
+            </a:fld>
+            <a:endParaRPr lang="zh-CN" altLang="en-US"/>
+          </a:p>
+        </p:txBody>
+      </p:sp>
+    </p:spTree>
+    <p:extLst>
+      <p:ext uri="{BB962C8B-B14F-4D97-AF65-F5344CB8AC3E}">
+        <p14:creationId xmlns:p14="http://schemas.microsoft.com/office/powerpoint/2010/main" val="1529253929"/>
+      </p:ext>
+    </p:extLst>
+  </p:cSld>
+  <p:clrMapOvr>
+    <a:masterClrMapping/>
+  </p:clrMapOvr>
+</p:notes>
+</file>
+
+<file path=ppt/notesSlides/notesSlide2.xml><?xml version="1.0" encoding="utf-8"?>
+<p:notes xmlns:a="http://schemas.openxmlformats.org/drawingml/2006/main" xmlns:r="http://schemas.openxmlformats.org/officeDocument/2006/relationships" xmlns:p="http://schemas.openxmlformats.org/presentationml/2006/main">
+  <p:cSld>
+    <p:spTree>
+      <p:nvGrpSpPr>
+        <p:cNvPr id="1" name=""/>
+        <p:cNvGrpSpPr/>
+        <p:nvPr/>
+      </p:nvGrpSpPr>
+      <p:grpSpPr>
+        <a:xfrm>
+          <a:off x="0" y="0"/>
+          <a:ext cx="0" cy="0"/>
+          <a:chOff x="0" y="0"/>
+          <a:chExt cx="0" cy="0"/>
+        </a:xfrm>
+      </p:grpSpPr>
+      <p:sp>
+        <p:nvSpPr>
+          <p:cNvPr id="2" name="幻灯片图像占位符 1"/>
+          <p:cNvSpPr>
+            <a:spLocks noGrp="1" noRot="1" noChangeAspect="1"/>
+          </p:cNvSpPr>
+          <p:nvPr>
+            <p:ph type="sldImg"/>
+          </p:nvPr>
+        </p:nvSpPr>
+        <p:spPr/>
+      </p:sp>
+      <p:sp>
+        <p:nvSpPr>
+          <p:cNvPr id="3" name="备注占位符 2"/>
+          <p:cNvSpPr>
+            <a:spLocks noGrp="1"/>
+          </p:cNvSpPr>
+          <p:nvPr>
+            <p:ph type="body" idx="1"/>
+          </p:nvPr>
+        </p:nvSpPr>
+        <p:spPr/>
+        <p:txBody>
+          <a:bodyPr/>
+          <a:lstStyle/>
+          <a:p>
+            <a:r>
+              <a:rPr lang="en-US" altLang="zh-CN" dirty="0" smtClean="0"/>
+              <a:t>1.</a:t>
+            </a:r>
+            <a:r>
+              <a:rPr lang="zh-CN" altLang="en-US" dirty="0" smtClean="0"/>
+              <a:t>怎么组织代码</a:t>
+            </a:r>
+            <a:endParaRPr lang="en-US" altLang="zh-CN" dirty="0" smtClean="0"/>
+          </a:p>
+          <a:p>
+            <a:r>
+              <a:rPr lang="en-US" altLang="zh-CN" dirty="0" smtClean="0"/>
+              <a:t>2</a:t>
+            </a:r>
+            <a:r>
+              <a:rPr lang="zh-CN" altLang="en-US" dirty="0" smtClean="0"/>
+              <a:t>、</a:t>
+            </a:r>
+            <a:endParaRPr lang="zh-CN" altLang="en-US" dirty="0"/>
+          </a:p>
+        </p:txBody>
+      </p:sp>
+      <p:sp>
+        <p:nvSpPr>
+          <p:cNvPr id="4" name="灯片编号占位符 3"/>
+          <p:cNvSpPr>
+            <a:spLocks noGrp="1"/>
+          </p:cNvSpPr>
+          <p:nvPr>
+            <p:ph type="sldNum" sz="quarter" idx="10"/>
+          </p:nvPr>
+        </p:nvSpPr>
+        <p:spPr/>
+        <p:txBody>
+          <a:bodyPr/>
+          <a:lstStyle/>
+          <a:p>
+            <a:fld id="{4D9468EC-A770-4017-BAE1-BBF9D1D877FD}" type="slidenum">
+              <a:rPr lang="zh-CN" altLang="en-US" smtClean="0"/>
+              <a:t>2</a:t>
+            </a:fld>
+            <a:endParaRPr lang="zh-CN" altLang="en-US"/>
+          </a:p>
+        </p:txBody>
+      </p:sp>
+    </p:spTree>
+    <p:extLst>
+      <p:ext uri="{BB962C8B-B14F-4D97-AF65-F5344CB8AC3E}">
+        <p14:creationId xmlns:p14="http://schemas.microsoft.com/office/powerpoint/2010/main" val="700570427"/>
+      </p:ext>
+    </p:extLst>
+  </p:cSld>
+  <p:clrMapOvr>
+    <a:masterClrMapping/>
+  </p:clrMapOvr>
+</p:notes>
+</file>
+
+<file path=ppt/notesSlides/notesSlide3.xml><?xml version="1.0" encoding="utf-8"?>
+<p:notes xmlns:a="http://schemas.openxmlformats.org/drawingml/2006/main" xmlns:r="http://schemas.openxmlformats.org/officeDocument/2006/relationships" xmlns:p="http://schemas.openxmlformats.org/presentationml/2006/main">
+  <p:cSld>
+    <p:spTree>
+      <p:nvGrpSpPr>
+        <p:cNvPr id="1" name=""/>
+        <p:cNvGrpSpPr/>
+        <p:nvPr/>
+      </p:nvGrpSpPr>
+      <p:grpSpPr>
+        <a:xfrm>
+          <a:off x="0" y="0"/>
+          <a:ext cx="0" cy="0"/>
+          <a:chOff x="0" y="0"/>
+          <a:chExt cx="0" cy="0"/>
+        </a:xfrm>
+      </p:grpSpPr>
+      <p:sp>
+        <p:nvSpPr>
+          <p:cNvPr id="2" name="幻灯片图像占位符 1"/>
+          <p:cNvSpPr>
+            <a:spLocks noGrp="1" noRot="1" noChangeAspect="1"/>
+          </p:cNvSpPr>
+          <p:nvPr>
+            <p:ph type="sldImg"/>
+          </p:nvPr>
+        </p:nvSpPr>
+        <p:spPr/>
+      </p:sp>
+      <p:sp>
+        <p:nvSpPr>
+          <p:cNvPr id="3" name="备注占位符 2"/>
+          <p:cNvSpPr>
+            <a:spLocks noGrp="1"/>
+          </p:cNvSpPr>
+          <p:nvPr>
+            <p:ph type="body" idx="1"/>
+          </p:nvPr>
+        </p:nvSpPr>
+        <p:spPr/>
+        <p:txBody>
+          <a:bodyPr/>
+          <a:lstStyle/>
+          <a:p>
+            <a:endParaRPr lang="zh-CN" altLang="en-US" dirty="0"/>
+          </a:p>
+        </p:txBody>
+      </p:sp>
+      <p:sp>
+        <p:nvSpPr>
+          <p:cNvPr id="4" name="灯片编号占位符 3"/>
+          <p:cNvSpPr>
+            <a:spLocks noGrp="1"/>
+          </p:cNvSpPr>
+          <p:nvPr>
+            <p:ph type="sldNum" sz="quarter" idx="10"/>
+          </p:nvPr>
+        </p:nvSpPr>
+        <p:spPr/>
+        <p:txBody>
+          <a:bodyPr/>
+          <a:lstStyle/>
+          <a:p>
+            <a:fld id="{4D9468EC-A770-4017-BAE1-BBF9D1D877FD}" type="slidenum">
+              <a:rPr lang="zh-CN" altLang="en-US" smtClean="0"/>
+              <a:t>10</a:t>
+            </a:fld>
+            <a:endParaRPr lang="zh-CN" altLang="en-US"/>
+          </a:p>
+        </p:txBody>
+      </p:sp>
+    </p:spTree>
+    <p:extLst>
+      <p:ext uri="{BB962C8B-B14F-4D97-AF65-F5344CB8AC3E}">
+        <p14:creationId xmlns:p14="http://schemas.microsoft.com/office/powerpoint/2010/main" val="3049450867"/>
+      </p:ext>
+    </p:extLst>
+  </p:cSld>
+  <p:clrMapOvr>
+    <a:masterClrMapping/>
+  </p:clrMapOvr>
+</p:notes>
+</file>
+
 <file path=ppt/slideLayouts/slideLayout1.xml><?xml version="1.0" encoding="utf-8"?>
 <p:sldLayout xmlns:a="http://schemas.openxmlformats.org/drawingml/2006/main" xmlns:r="http://schemas.openxmlformats.org/officeDocument/2006/relationships" xmlns:p="http://schemas.openxmlformats.org/presentationml/2006/main" showMasterSp="0" type="title" preserve="1">
   <p:cSld name="标题幻灯片">
@@ -352,7 +972,7 @@
           <a:p>
             <a:fld id="{4BDF68E2-58F2-4D09-BE8B-E3BD06533059}" type="datetimeFigureOut">
               <a:rPr lang="en-US" dirty="0"/>
-              <a:t>4/15/2016</a:t>
+              <a:t>4/17/2016</a:t>
             </a:fld>
             <a:endParaRPr lang="en-US" dirty="0"/>
           </a:p>
@@ -555,7 +1175,7 @@
           <a:p>
             <a:fld id="{2E2D6473-DF6D-4702-B328-E0DD40540A4E}" type="datetimeFigureOut">
               <a:rPr lang="en-US" dirty="0"/>
-              <a:t>4/15/2016</a:t>
+              <a:t>4/17/2016</a:t>
             </a:fld>
             <a:endParaRPr lang="en-US" dirty="0"/>
           </a:p>
@@ -806,7 +1426,7 @@
           <a:p>
             <a:fld id="{E26F7E3A-B166-407D-9866-32884E7D5B37}" type="datetimeFigureOut">
               <a:rPr lang="en-US" dirty="0"/>
-              <a:t>4/15/2016</a:t>
+              <a:t>4/17/2016</a:t>
             </a:fld>
             <a:endParaRPr lang="en-US" dirty="0"/>
           </a:p>
@@ -975,7 +1595,7 @@
           <a:p>
             <a:fld id="{528FC5F6-F338-4AE4-BB23-26385BCFC423}" type="datetimeFigureOut">
               <a:rPr lang="en-US" dirty="0"/>
-              <a:t>4/15/2016</a:t>
+              <a:t>4/17/2016</a:t>
             </a:fld>
             <a:endParaRPr lang="en-US" dirty="0"/>
           </a:p>
@@ -1313,7 +1933,7 @@
           <a:p>
             <a:fld id="{20EBB0C4-6273-4C6E-B9BD-2EDC30F1CD52}" type="datetimeFigureOut">
               <a:rPr lang="en-US" dirty="0"/>
-              <a:t>4/15/2016</a:t>
+              <a:t>4/17/2016</a:t>
             </a:fld>
             <a:endParaRPr lang="en-US" dirty="0"/>
           </a:p>
@@ -1583,7 +2203,7 @@
           <a:p>
             <a:fld id="{19AB4D41-86C1-4908-B66A-0B50CEB3BF29}" type="datetimeFigureOut">
               <a:rPr lang="en-US" dirty="0"/>
-              <a:t>4/15/2016</a:t>
+              <a:t>4/17/2016</a:t>
             </a:fld>
             <a:endParaRPr lang="en-US" dirty="0"/>
           </a:p>
@@ -1957,7 +2577,7 @@
           <a:p>
             <a:fld id="{E6426E2C-56C1-4E0D-A793-0088A7FDD37E}" type="datetimeFigureOut">
               <a:rPr lang="en-US" dirty="0"/>
-              <a:t>4/15/2016</a:t>
+              <a:t>4/17/2016</a:t>
             </a:fld>
             <a:endParaRPr lang="en-US" dirty="0"/>
           </a:p>
@@ -2070,7 +2690,7 @@
           <a:p>
             <a:fld id="{C8C39B41-D8B5-4052-B551-9B5525EAA8B6}" type="datetimeFigureOut">
               <a:rPr lang="en-US" dirty="0"/>
-              <a:t>4/15/2016</a:t>
+              <a:t>4/17/2016</a:t>
             </a:fld>
             <a:endParaRPr lang="en-US" dirty="0"/>
           </a:p>
@@ -2236,7 +2856,7 @@
           <a:p>
             <a:fld id="{4D94136C-8742-45B2-AF27-D93DF72833A9}" type="datetimeFigureOut">
               <a:rPr lang="en-US" dirty="0"/>
-              <a:t>4/15/2016</a:t>
+              <a:t>4/17/2016</a:t>
             </a:fld>
             <a:endParaRPr lang="en-US" dirty="0"/>
           </a:p>
@@ -2586,7 +3206,7 @@
           <a:p>
             <a:fld id="{32ABBEA6-7C60-4B02-AE87-00D78D8422AF}" type="datetimeFigureOut">
               <a:rPr lang="en-US" dirty="0"/>
-              <a:t>4/15/2016</a:t>
+              <a:t>4/17/2016</a:t>
             </a:fld>
             <a:endParaRPr lang="en-US" dirty="0"/>
           </a:p>
@@ -2964,7 +3584,7 @@
           <a:p>
             <a:fld id="{C9CAD897-D46E-4AD2-BD9B-49DD3E640873}" type="datetimeFigureOut">
               <a:rPr lang="en-US" dirty="0"/>
-              <a:t>4/15/2016</a:t>
+              <a:t>4/17/2016</a:t>
             </a:fld>
             <a:endParaRPr lang="en-US" dirty="0"/>
           </a:p>
@@ -3246,7 +3866,7 @@
           <a:p>
             <a:fld id="{98624D31-43A5-475A-80CF-332C9F6DCF35}" type="datetimeFigureOut">
               <a:rPr lang="en-US" dirty="0"/>
-              <a:t>4/15/2016</a:t>
+              <a:t>4/17/2016</a:t>
             </a:fld>
             <a:endParaRPr lang="en-US" dirty="0"/>
           </a:p>
@@ -3887,8 +4507,8 @@
           <a:lstStyle/>
           <a:p>
             <a:r>
-              <a:rPr lang="en-US" altLang="zh-CN" dirty="0" err="1" smtClean="0"/>
-              <a:t>Package.json</a:t>
+              <a:rPr lang="zh-CN" altLang="en-US" dirty="0" smtClean="0"/>
+              <a:t>单页应用</a:t>
             </a:r>
             <a:endParaRPr lang="zh-CN" altLang="en-US" dirty="0"/>
           </a:p>
@@ -3916,10 +4536,10 @@
               <a:buChar char="l"/>
             </a:pPr>
             <a:r>
-              <a:rPr lang="zh-CN" altLang="en-US" sz="3200" dirty="0" smtClean="0"/>
-              <a:t>保存项目基础配置信息</a:t>
-            </a:r>
-            <a:endParaRPr lang="en-US" altLang="zh-CN" sz="3200" dirty="0" smtClean="0"/>
+              <a:rPr lang="zh-CN" altLang="en-US" sz="2800" dirty="0" smtClean="0"/>
+              <a:t>前后端分离</a:t>
+            </a:r>
+            <a:endParaRPr lang="en-US" altLang="zh-CN" sz="2800" dirty="0" smtClean="0"/>
           </a:p>
           <a:p>
             <a:pPr>
@@ -3927,14 +4547,22 @@
               <a:buChar char="l"/>
             </a:pPr>
             <a:r>
-              <a:rPr lang="zh-CN" altLang="en-US" sz="3200" dirty="0"/>
-              <a:t>说</a:t>
-            </a:r>
-            <a:r>
-              <a:rPr lang="zh-CN" altLang="en-US" sz="3200" dirty="0" smtClean="0"/>
-              <a:t>明了项目开发过程以及代码运行时的对包依赖关系</a:t>
-            </a:r>
-            <a:endParaRPr lang="en-US" altLang="zh-CN" sz="3200" dirty="0" smtClean="0"/>
+              <a:rPr lang="zh-CN" altLang="en-US" sz="2800" dirty="0"/>
+              <a:t>前端</a:t>
+            </a:r>
+            <a:r>
+              <a:rPr lang="zh-CN" altLang="en-US" sz="2800" dirty="0" smtClean="0"/>
+              <a:t>路由（</a:t>
+            </a:r>
+            <a:r>
+              <a:rPr lang="en-US" altLang="zh-CN" sz="2800" dirty="0" smtClean="0"/>
+              <a:t>#</a:t>
+            </a:r>
+            <a:r>
+              <a:rPr lang="zh-CN" altLang="en-US" sz="2800" dirty="0" smtClean="0"/>
+              <a:t>）</a:t>
+            </a:r>
+            <a:endParaRPr lang="en-US" altLang="zh-CN" sz="2800" dirty="0" smtClean="0"/>
           </a:p>
           <a:p>
             <a:pPr>
@@ -3942,21 +4570,61 @@
               <a:buChar char="l"/>
             </a:pPr>
             <a:r>
-              <a:rPr lang="zh-CN" altLang="en-US" sz="3200" dirty="0"/>
-              <a:t>对</a:t>
-            </a:r>
-            <a:r>
-              <a:rPr lang="zh-CN" altLang="en-US" sz="3200" dirty="0" smtClean="0"/>
-              <a:t>包的版本控制</a:t>
-            </a:r>
-            <a:endParaRPr lang="en-US" altLang="zh-CN" sz="3200" dirty="0" smtClean="0"/>
+              <a:rPr lang="zh-CN" altLang="en-US" sz="2800" dirty="0" smtClean="0"/>
+              <a:t>后台服务化</a:t>
+            </a:r>
+            <a:r>
+              <a:rPr lang="zh-CN" altLang="en-US" dirty="0"/>
+              <a:t>（后端不再负责模板渲染、输出页面</a:t>
+            </a:r>
+            <a:r>
+              <a:rPr lang="zh-CN" altLang="en-US" dirty="0" smtClean="0"/>
+              <a:t>工作）</a:t>
+            </a:r>
+            <a:endParaRPr lang="en-US" altLang="zh-CN" sz="2800" dirty="0"/>
+          </a:p>
+          <a:p>
+            <a:pPr marL="0" indent="0">
+              <a:buNone/>
+            </a:pPr>
+            <a:endParaRPr lang="en-US" altLang="zh-CN" sz="2800" dirty="0" smtClean="0"/>
+          </a:p>
+          <a:p>
+            <a:pPr marL="0" indent="0">
+              <a:buNone/>
+            </a:pPr>
+            <a:endParaRPr lang="en-US" altLang="zh-CN" sz="2800" dirty="0" smtClean="0"/>
+          </a:p>
+          <a:p>
+            <a:pPr marL="0" indent="0">
+              <a:buNone/>
+            </a:pPr>
+            <a:r>
+              <a:rPr lang="zh-CN" altLang="en-US" sz="2800" dirty="0" smtClean="0"/>
+              <a:t>注意：</a:t>
+            </a:r>
+            <a:endParaRPr lang="en-US" altLang="zh-CN" sz="2800" dirty="0" smtClean="0"/>
+          </a:p>
+          <a:p>
+            <a:pPr marL="0" indent="0">
+              <a:buNone/>
+            </a:pPr>
+            <a:r>
+              <a:rPr lang="zh-CN" altLang="en-US" sz="2800" dirty="0"/>
+              <a:t>适当</a:t>
+            </a:r>
+            <a:r>
+              <a:rPr lang="zh-CN" altLang="en-US" sz="2800" dirty="0" smtClean="0"/>
+              <a:t>合并请求，减少请求次数。</a:t>
+            </a:r>
+            <a:endParaRPr lang="zh-CN" altLang="en-US" sz="2800" dirty="0"/>
           </a:p>
         </p:txBody>
       </p:sp>
     </p:spTree>
     <p:extLst>
       <p:ext uri="{BB962C8B-B14F-4D97-AF65-F5344CB8AC3E}">
-        <p14:creationId xmlns:p14="http://schemas.microsoft.com/office/powerpoint/2010/main" val="2775257873"/>
+        <p14:creationId xmlns:p14="http://schemas.microsoft.com/office/powerpoint/2010/main" val="2039582927"/>
       </p:ext>
     </p:extLst>
   </p:cSld>
@@ -4006,8 +4674,8 @@
           <a:lstStyle/>
           <a:p>
             <a:r>
-              <a:rPr lang="en-US" altLang="zh-CN" dirty="0" err="1" smtClean="0"/>
-              <a:t>Package.json</a:t>
+              <a:rPr lang="en-US" altLang="zh-CN" dirty="0" smtClean="0"/>
+              <a:t>AngularJS</a:t>
             </a:r>
             <a:endParaRPr lang="zh-CN" altLang="en-US" dirty="0"/>
           </a:p>
@@ -4023,143 +4691,93 @@
             <p:ph idx="1"/>
           </p:nvPr>
         </p:nvSpPr>
-        <p:spPr>
-          <a:xfrm>
-            <a:off x="1097280" y="1845734"/>
-            <a:ext cx="10724606" cy="4023360"/>
-          </a:xfrm>
-        </p:spPr>
+        <p:spPr/>
         <p:txBody>
           <a:bodyPr/>
           <a:lstStyle/>
           <a:p>
             <a:r>
-              <a:rPr lang="en-US" altLang="zh-CN" sz="3200" dirty="0"/>
-              <a:t>1</a:t>
-            </a:r>
-            <a:r>
-              <a:rPr lang="zh-CN" altLang="en-US" sz="3200" dirty="0"/>
-              <a:t>、在项目根目录下执行</a:t>
-            </a:r>
-            <a:r>
-              <a:rPr lang="en-US" altLang="zh-CN" sz="3200" dirty="0" err="1"/>
-              <a:t>npm</a:t>
-            </a:r>
-            <a:r>
-              <a:rPr lang="en-US" altLang="zh-CN" sz="3200" dirty="0"/>
-              <a:t> </a:t>
-            </a:r>
-            <a:r>
-              <a:rPr lang="en-US" altLang="zh-CN" sz="3200" dirty="0" err="1"/>
-              <a:t>init</a:t>
-            </a:r>
-            <a:r>
-              <a:rPr lang="zh-CN" altLang="en-US" sz="3200" dirty="0"/>
-              <a:t>命令；</a:t>
-            </a:r>
-            <a:endParaRPr lang="en-US" altLang="zh-CN" sz="3200" dirty="0"/>
-          </a:p>
-          <a:p>
-            <a:r>
-              <a:rPr lang="en-US" altLang="zh-CN" sz="3200" dirty="0"/>
-              <a:t>2</a:t>
-            </a:r>
-            <a:r>
-              <a:rPr lang="zh-CN" altLang="en-US" sz="3200" dirty="0"/>
-              <a:t>、安装开发过程中的包使用</a:t>
-            </a:r>
-            <a:r>
-              <a:rPr lang="en-US" altLang="zh-CN" sz="3200" dirty="0" err="1"/>
-              <a:t>npm</a:t>
-            </a:r>
-            <a:r>
-              <a:rPr lang="en-US" altLang="zh-CN" sz="3200" dirty="0"/>
-              <a:t> install *** --</a:t>
-            </a:r>
-            <a:r>
-              <a:rPr lang="en-US" altLang="zh-CN" sz="3200" dirty="0" smtClean="0"/>
-              <a:t>save-dev</a:t>
-            </a:r>
-            <a:r>
-              <a:rPr lang="zh-CN" altLang="en-US" sz="3200" dirty="0" smtClean="0"/>
-              <a:t>安装；</a:t>
-            </a:r>
-            <a:endParaRPr lang="en-US" altLang="zh-CN" sz="3200" dirty="0"/>
-          </a:p>
-          <a:p>
-            <a:r>
-              <a:rPr lang="en-US" altLang="zh-CN" sz="3200" dirty="0"/>
-              <a:t>3</a:t>
-            </a:r>
-            <a:r>
-              <a:rPr lang="zh-CN" altLang="en-US" sz="3200" dirty="0"/>
-              <a:t>、安装运行环境依赖的包使用</a:t>
-            </a:r>
-            <a:r>
-              <a:rPr lang="en-US" altLang="zh-CN" sz="3200" dirty="0" err="1"/>
-              <a:t>npm</a:t>
-            </a:r>
-            <a:r>
-              <a:rPr lang="en-US" altLang="zh-CN" sz="3200" dirty="0"/>
-              <a:t> install *** --</a:t>
-            </a:r>
-            <a:r>
-              <a:rPr lang="en-US" altLang="zh-CN" sz="3200" dirty="0" smtClean="0"/>
-              <a:t>save</a:t>
-            </a:r>
-            <a:r>
-              <a:rPr lang="zh-CN" altLang="en-US" sz="3200" dirty="0" smtClean="0"/>
-              <a:t>安装；</a:t>
-            </a:r>
-            <a:endParaRPr lang="en-US" altLang="zh-CN" sz="3200" dirty="0" smtClean="0"/>
-          </a:p>
-          <a:p>
-            <a:r>
-              <a:rPr lang="en-US" altLang="zh-CN" sz="3200" dirty="0" smtClean="0"/>
-              <a:t>4</a:t>
-            </a:r>
-            <a:r>
-              <a:rPr lang="zh-CN" altLang="en-US" sz="3200" dirty="0" smtClean="0"/>
-              <a:t>、迁移代码，使用</a:t>
-            </a:r>
-            <a:r>
-              <a:rPr lang="en-US" altLang="zh-CN" sz="3200" dirty="0" err="1" smtClean="0"/>
-              <a:t>npm</a:t>
-            </a:r>
-            <a:r>
-              <a:rPr lang="en-US" altLang="zh-CN" sz="3200" dirty="0" smtClean="0"/>
-              <a:t> install</a:t>
-            </a:r>
-            <a:r>
-              <a:rPr lang="zh-CN" altLang="en-US" sz="3200" dirty="0" smtClean="0"/>
-              <a:t>命令安装所有依赖。</a:t>
-            </a:r>
-            <a:endParaRPr lang="en-US" altLang="zh-CN" sz="3200" dirty="0"/>
-          </a:p>
-          <a:p>
-            <a:r>
-              <a:rPr lang="zh-CN" altLang="en-US" sz="3200" dirty="0" smtClean="0"/>
-              <a:t>附</a:t>
-            </a:r>
-            <a:r>
-              <a:rPr lang="zh-CN" altLang="en-US" sz="3200" dirty="0"/>
-              <a:t>：全局安装包：</a:t>
-            </a:r>
-            <a:r>
-              <a:rPr lang="en-US" altLang="zh-CN" sz="3200" dirty="0" err="1"/>
-              <a:t>npm</a:t>
-            </a:r>
-            <a:r>
-              <a:rPr lang="en-US" altLang="zh-CN" sz="3200" dirty="0"/>
-              <a:t> install *** -g</a:t>
-            </a:r>
-            <a:endParaRPr lang="zh-CN" altLang="en-US" sz="3200" dirty="0"/>
+              <a:rPr lang="zh-CN" altLang="en-US" sz="2800" dirty="0" smtClean="0"/>
+              <a:t>定位：</a:t>
+            </a:r>
+            <a:r>
+              <a:rPr lang="zh-CN" altLang="en-US" sz="2800" dirty="0"/>
+              <a:t>前端</a:t>
+            </a:r>
+            <a:r>
+              <a:rPr lang="en-US" altLang="zh-CN" sz="2800" dirty="0"/>
+              <a:t>JS</a:t>
+            </a:r>
+            <a:r>
+              <a:rPr lang="zh-CN" altLang="en-US" sz="2800" dirty="0" smtClean="0"/>
+              <a:t>框架；</a:t>
+            </a:r>
+            <a:endParaRPr lang="en-US" altLang="zh-CN" sz="2800" dirty="0" smtClean="0"/>
           </a:p>
           <a:p>
             <a:pPr>
               <a:buFont typeface="Wingdings" panose="05000000000000000000" pitchFamily="2" charset="2"/>
               <a:buChar char="l"/>
             </a:pPr>
+            <a:r>
+              <a:rPr lang="zh-CN" altLang="en-US" sz="2800" dirty="0"/>
+              <a:t>双向</a:t>
+            </a:r>
+            <a:r>
+              <a:rPr lang="zh-CN" altLang="en-US" sz="2800" dirty="0" smtClean="0"/>
+              <a:t>数据绑定</a:t>
+            </a:r>
+            <a:endParaRPr lang="en-US" altLang="zh-CN" sz="2800" dirty="0" smtClean="0"/>
+          </a:p>
+          <a:p>
+            <a:pPr>
+              <a:buFont typeface="Wingdings" panose="05000000000000000000" pitchFamily="2" charset="2"/>
+              <a:buChar char="l"/>
+            </a:pPr>
+            <a:r>
+              <a:rPr lang="zh-CN" altLang="en-US" sz="2800" dirty="0" smtClean="0"/>
+              <a:t>依赖注入</a:t>
+            </a:r>
+            <a:endParaRPr lang="en-US" altLang="zh-CN" sz="2800" dirty="0" smtClean="0"/>
+          </a:p>
+          <a:p>
+            <a:pPr marL="0" indent="0">
+              <a:buNone/>
+            </a:pPr>
+            <a:r>
+              <a:rPr lang="zh-CN" altLang="en-US" sz="2800" dirty="0"/>
+              <a:t>替代</a:t>
+            </a:r>
+            <a:r>
+              <a:rPr lang="zh-CN" altLang="en-US" sz="2800" dirty="0" smtClean="0"/>
+              <a:t>选项：</a:t>
+            </a:r>
+            <a:r>
+              <a:rPr lang="en-US" altLang="zh-CN" sz="2800" dirty="0" smtClean="0"/>
+              <a:t>Angular2</a:t>
+            </a:r>
+            <a:r>
+              <a:rPr lang="zh-CN" altLang="en-US" sz="2800" dirty="0" smtClean="0"/>
+              <a:t>、</a:t>
+            </a:r>
+            <a:r>
+              <a:rPr lang="en-US" altLang="zh-CN" sz="2800" dirty="0" smtClean="0"/>
+              <a:t>React</a:t>
+            </a:r>
+            <a:r>
+              <a:rPr lang="zh-CN" altLang="en-US" sz="2800" dirty="0" smtClean="0"/>
+              <a:t>、</a:t>
+            </a:r>
+            <a:r>
+              <a:rPr lang="en-US" altLang="zh-CN" sz="2800" dirty="0" err="1" smtClean="0"/>
+              <a:t>Vue</a:t>
+            </a:r>
+            <a:endParaRPr lang="en-US" altLang="zh-CN" sz="2800" dirty="0" smtClean="0"/>
+          </a:p>
+          <a:p>
+            <a:pPr marL="0" indent="0">
+              <a:buNone/>
+            </a:pPr>
             <a:endParaRPr lang="en-US" altLang="zh-CN" dirty="0" smtClean="0"/>
           </a:p>
         </p:txBody>
@@ -4167,7 +4785,7 @@
     </p:spTree>
     <p:extLst>
       <p:ext uri="{BB962C8B-B14F-4D97-AF65-F5344CB8AC3E}">
-        <p14:creationId xmlns:p14="http://schemas.microsoft.com/office/powerpoint/2010/main" val="3903074044"/>
+        <p14:creationId xmlns:p14="http://schemas.microsoft.com/office/powerpoint/2010/main" val="1583300552"/>
       </p:ext>
     </p:extLst>
   </p:cSld>
@@ -4181,845 +4799,6 @@
       </p:par>
     </p:tnLst>
   </p:timing>
-</p:sld>
-</file>
-
-<file path=ppt/slides/slide12.xml><?xml version="1.0" encoding="utf-8"?>
-<p:sld xmlns:a="http://schemas.openxmlformats.org/drawingml/2006/main" xmlns:r="http://schemas.openxmlformats.org/officeDocument/2006/relationships" xmlns:p="http://schemas.openxmlformats.org/presentationml/2006/main">
-  <p:cSld>
-    <p:spTree>
-      <p:nvGrpSpPr>
-        <p:cNvPr id="1" name=""/>
-        <p:cNvGrpSpPr/>
-        <p:nvPr/>
-      </p:nvGrpSpPr>
-      <p:grpSpPr>
-        <a:xfrm>
-          <a:off x="0" y="0"/>
-          <a:ext cx="0" cy="0"/>
-          <a:chOff x="0" y="0"/>
-          <a:chExt cx="0" cy="0"/>
-        </a:xfrm>
-      </p:grpSpPr>
-      <p:sp>
-        <p:nvSpPr>
-          <p:cNvPr id="2" name="标题 1"/>
-          <p:cNvSpPr>
-            <a:spLocks noGrp="1"/>
-          </p:cNvSpPr>
-          <p:nvPr>
-            <p:ph type="title"/>
-          </p:nvPr>
-        </p:nvSpPr>
-        <p:spPr/>
-        <p:txBody>
-          <a:bodyPr/>
-          <a:lstStyle/>
-          <a:p>
-            <a:r>
-              <a:rPr lang="zh-CN" altLang="en-US" dirty="0" smtClean="0"/>
-              <a:t>项目整体文件目录结构</a:t>
-            </a:r>
-            <a:endParaRPr lang="zh-CN" altLang="en-US" dirty="0"/>
-          </a:p>
-        </p:txBody>
-      </p:sp>
-      <p:pic>
-        <p:nvPicPr>
-          <p:cNvPr id="6" name="图片 5"/>
-          <p:cNvPicPr>
-            <a:picLocks noChangeAspect="1"/>
-          </p:cNvPicPr>
-          <p:nvPr/>
-        </p:nvPicPr>
-        <p:blipFill>
-          <a:blip r:embed="rId2"/>
-          <a:stretch>
-            <a:fillRect/>
-          </a:stretch>
-        </p:blipFill>
-        <p:spPr>
-          <a:xfrm>
-            <a:off x="1352971" y="1776549"/>
-            <a:ext cx="2513635" cy="4917981"/>
-          </a:xfrm>
-          <a:prstGeom prst="rect">
-            <a:avLst/>
-          </a:prstGeom>
-        </p:spPr>
-      </p:pic>
-      <p:sp>
-        <p:nvSpPr>
-          <p:cNvPr id="7" name="文本框 6"/>
-          <p:cNvSpPr txBox="1"/>
-          <p:nvPr/>
-        </p:nvSpPr>
-        <p:spPr>
-          <a:xfrm>
-            <a:off x="4624251" y="2233749"/>
-            <a:ext cx="6531429" cy="2062103"/>
-          </a:xfrm>
-          <a:prstGeom prst="rect">
-            <a:avLst/>
-          </a:prstGeom>
-          <a:noFill/>
-        </p:spPr>
-        <p:txBody>
-          <a:bodyPr wrap="square" rtlCol="0">
-            <a:spAutoFit/>
-          </a:bodyPr>
-          <a:lstStyle/>
-          <a:p>
-            <a:pPr marL="285750" indent="-285750">
-              <a:buFont typeface="Arial" panose="020B0604020202020204" pitchFamily="34" charset="0"/>
-              <a:buChar char="•"/>
-            </a:pPr>
-            <a:r>
-              <a:rPr lang="en-US" altLang="zh-CN" sz="3200" b="1" dirty="0" err="1" smtClean="0"/>
-              <a:t>Node_modules</a:t>
-            </a:r>
-            <a:r>
-              <a:rPr lang="zh-CN" altLang="en-US" sz="3200" dirty="0" smtClean="0"/>
-              <a:t>：</a:t>
-            </a:r>
-            <a:r>
-              <a:rPr lang="en-US" altLang="zh-CN" sz="3200" dirty="0" err="1" smtClean="0"/>
-              <a:t>NodeJS</a:t>
-            </a:r>
-            <a:r>
-              <a:rPr lang="zh-CN" altLang="en-US" sz="3200" dirty="0" smtClean="0"/>
-              <a:t>依赖的包</a:t>
-            </a:r>
-            <a:endParaRPr lang="en-US" altLang="zh-CN" sz="3200" dirty="0" smtClean="0"/>
-          </a:p>
-          <a:p>
-            <a:pPr marL="285750" indent="-285750">
-              <a:buFont typeface="Arial" panose="020B0604020202020204" pitchFamily="34" charset="0"/>
-              <a:buChar char="•"/>
-            </a:pPr>
-            <a:r>
-              <a:rPr lang="en-US" altLang="zh-CN" sz="3200" b="1" dirty="0" smtClean="0"/>
-              <a:t>Public </a:t>
-            </a:r>
-            <a:r>
-              <a:rPr lang="zh-CN" altLang="en-US" sz="3200" dirty="0" smtClean="0"/>
-              <a:t>：前端代码</a:t>
-            </a:r>
-            <a:endParaRPr lang="en-US" altLang="zh-CN" sz="3200" dirty="0" smtClean="0"/>
-          </a:p>
-          <a:p>
-            <a:pPr marL="285750" indent="-285750">
-              <a:buFont typeface="Arial" panose="020B0604020202020204" pitchFamily="34" charset="0"/>
-              <a:buChar char="•"/>
-            </a:pPr>
-            <a:r>
-              <a:rPr lang="en-US" altLang="zh-CN" sz="3200" b="1" dirty="0" smtClean="0"/>
-              <a:t>Gulpfile.js</a:t>
-            </a:r>
-            <a:r>
-              <a:rPr lang="zh-CN" altLang="en-US" sz="3200" dirty="0" smtClean="0"/>
-              <a:t>：</a:t>
-            </a:r>
-            <a:r>
-              <a:rPr lang="en-US" altLang="zh-CN" sz="3200" dirty="0" smtClean="0"/>
-              <a:t>gulp</a:t>
-            </a:r>
-            <a:r>
-              <a:rPr lang="zh-CN" altLang="en-US" sz="3200" dirty="0" smtClean="0"/>
-              <a:t>自动化任务脚本</a:t>
-            </a:r>
-            <a:endParaRPr lang="en-US" altLang="zh-CN" sz="3200" dirty="0" smtClean="0"/>
-          </a:p>
-          <a:p>
-            <a:pPr marL="285750" indent="-285750">
-              <a:buFont typeface="Arial" panose="020B0604020202020204" pitchFamily="34" charset="0"/>
-              <a:buChar char="•"/>
-            </a:pPr>
-            <a:r>
-              <a:rPr lang="en-US" altLang="zh-CN" sz="3200" b="1" dirty="0" err="1" smtClean="0"/>
-              <a:t>Package.json</a:t>
-            </a:r>
-            <a:r>
-              <a:rPr lang="zh-CN" altLang="en-US" sz="3200" b="1" dirty="0"/>
-              <a:t>：</a:t>
-            </a:r>
-            <a:r>
-              <a:rPr lang="zh-CN" altLang="en-US" sz="3200" dirty="0" smtClean="0"/>
-              <a:t>项目</a:t>
-            </a:r>
-            <a:r>
-              <a:rPr lang="zh-CN" altLang="en-US" sz="3200" dirty="0" smtClean="0"/>
-              <a:t>配置信息</a:t>
-            </a:r>
-            <a:endParaRPr lang="zh-CN" altLang="en-US" sz="3200" dirty="0"/>
-          </a:p>
-        </p:txBody>
-      </p:sp>
-    </p:spTree>
-    <p:extLst>
-      <p:ext uri="{BB962C8B-B14F-4D97-AF65-F5344CB8AC3E}">
-        <p14:creationId xmlns:p14="http://schemas.microsoft.com/office/powerpoint/2010/main" val="3468427153"/>
-      </p:ext>
-    </p:extLst>
-  </p:cSld>
-  <p:clrMapOvr>
-    <a:masterClrMapping/>
-  </p:clrMapOvr>
-</p:sld>
-</file>
-
-<file path=ppt/slides/slide13.xml><?xml version="1.0" encoding="utf-8"?>
-<p:sld xmlns:a="http://schemas.openxmlformats.org/drawingml/2006/main" xmlns:r="http://schemas.openxmlformats.org/officeDocument/2006/relationships" xmlns:p="http://schemas.openxmlformats.org/presentationml/2006/main">
-  <p:cSld>
-    <p:spTree>
-      <p:nvGrpSpPr>
-        <p:cNvPr id="1" name=""/>
-        <p:cNvGrpSpPr/>
-        <p:nvPr/>
-      </p:nvGrpSpPr>
-      <p:grpSpPr>
-        <a:xfrm>
-          <a:off x="0" y="0"/>
-          <a:ext cx="0" cy="0"/>
-          <a:chOff x="0" y="0"/>
-          <a:chExt cx="0" cy="0"/>
-        </a:xfrm>
-      </p:grpSpPr>
-      <p:sp>
-        <p:nvSpPr>
-          <p:cNvPr id="2" name="标题 1"/>
-          <p:cNvSpPr>
-            <a:spLocks noGrp="1"/>
-          </p:cNvSpPr>
-          <p:nvPr>
-            <p:ph type="title"/>
-          </p:nvPr>
-        </p:nvSpPr>
-        <p:spPr/>
-        <p:txBody>
-          <a:bodyPr/>
-          <a:lstStyle/>
-          <a:p>
-            <a:r>
-              <a:rPr lang="en-US" altLang="zh-CN" dirty="0" smtClean="0"/>
-              <a:t>B/S</a:t>
-            </a:r>
-            <a:r>
-              <a:rPr lang="zh-CN" altLang="en-US" dirty="0" smtClean="0"/>
-              <a:t>架构</a:t>
-            </a:r>
-            <a:endParaRPr lang="zh-CN" altLang="en-US" dirty="0"/>
-          </a:p>
-        </p:txBody>
-      </p:sp>
-      <p:sp>
-        <p:nvSpPr>
-          <p:cNvPr id="3" name="流程图: 磁盘 2"/>
-          <p:cNvSpPr/>
-          <p:nvPr/>
-        </p:nvSpPr>
-        <p:spPr>
-          <a:xfrm>
-            <a:off x="9601199" y="3043645"/>
-            <a:ext cx="1423851" cy="1580606"/>
-          </a:xfrm>
-          <a:prstGeom prst="flowChartMagneticDisk">
-            <a:avLst/>
-          </a:prstGeom>
-        </p:spPr>
-        <p:style>
-          <a:lnRef idx="2">
-            <a:schemeClr val="accent1">
-              <a:shade val="50000"/>
-            </a:schemeClr>
-          </a:lnRef>
-          <a:fillRef idx="1">
-            <a:schemeClr val="accent1"/>
-          </a:fillRef>
-          <a:effectRef idx="0">
-            <a:schemeClr val="accent1"/>
-          </a:effectRef>
-          <a:fontRef idx="minor">
-            <a:schemeClr val="lt1"/>
-          </a:fontRef>
-        </p:style>
-        <p:txBody>
-          <a:bodyPr rtlCol="0" anchor="ctr"/>
-          <a:lstStyle/>
-          <a:p>
-            <a:pPr algn="ctr"/>
-            <a:endParaRPr lang="zh-CN" altLang="en-US" sz="2000"/>
-          </a:p>
-        </p:txBody>
-      </p:sp>
-      <p:sp>
-        <p:nvSpPr>
-          <p:cNvPr id="4" name="流程图: 过程 3"/>
-          <p:cNvSpPr/>
-          <p:nvPr/>
-        </p:nvSpPr>
-        <p:spPr>
-          <a:xfrm>
-            <a:off x="1227908" y="3004457"/>
-            <a:ext cx="1737360" cy="1619794"/>
-          </a:xfrm>
-          <a:prstGeom prst="flowChartProcess">
-            <a:avLst/>
-          </a:prstGeom>
-        </p:spPr>
-        <p:style>
-          <a:lnRef idx="2">
-            <a:schemeClr val="accent1">
-              <a:shade val="50000"/>
-            </a:schemeClr>
-          </a:lnRef>
-          <a:fillRef idx="1">
-            <a:schemeClr val="accent1"/>
-          </a:fillRef>
-          <a:effectRef idx="0">
-            <a:schemeClr val="accent1"/>
-          </a:effectRef>
-          <a:fontRef idx="minor">
-            <a:schemeClr val="lt1"/>
-          </a:fontRef>
-        </p:style>
-        <p:txBody>
-          <a:bodyPr rtlCol="0" anchor="ctr"/>
-          <a:lstStyle/>
-          <a:p>
-            <a:pPr algn="ctr"/>
-            <a:endParaRPr lang="zh-CN" altLang="en-US" sz="2000"/>
-          </a:p>
-        </p:txBody>
-      </p:sp>
-      <p:sp>
-        <p:nvSpPr>
-          <p:cNvPr id="5" name="流程图: 过程 4"/>
-          <p:cNvSpPr/>
-          <p:nvPr/>
-        </p:nvSpPr>
-        <p:spPr>
-          <a:xfrm>
-            <a:off x="5460274" y="3004457"/>
-            <a:ext cx="1737360" cy="1619794"/>
-          </a:xfrm>
-          <a:prstGeom prst="flowChartProcess">
-            <a:avLst/>
-          </a:prstGeom>
-        </p:spPr>
-        <p:style>
-          <a:lnRef idx="2">
-            <a:schemeClr val="accent1">
-              <a:shade val="50000"/>
-            </a:schemeClr>
-          </a:lnRef>
-          <a:fillRef idx="1">
-            <a:schemeClr val="accent1"/>
-          </a:fillRef>
-          <a:effectRef idx="0">
-            <a:schemeClr val="accent1"/>
-          </a:effectRef>
-          <a:fontRef idx="minor">
-            <a:schemeClr val="lt1"/>
-          </a:fontRef>
-        </p:style>
-        <p:txBody>
-          <a:bodyPr rtlCol="0" anchor="ctr"/>
-          <a:lstStyle/>
-          <a:p>
-            <a:pPr algn="ctr"/>
-            <a:endParaRPr lang="zh-CN" altLang="en-US" sz="2000"/>
-          </a:p>
-        </p:txBody>
-      </p:sp>
-      <p:cxnSp>
-        <p:nvCxnSpPr>
-          <p:cNvPr id="7" name="直接箭头连接符 6"/>
-          <p:cNvCxnSpPr/>
-          <p:nvPr/>
-        </p:nvCxnSpPr>
-        <p:spPr>
-          <a:xfrm>
-            <a:off x="3030583" y="3709850"/>
-            <a:ext cx="2429691" cy="0"/>
-          </a:xfrm>
-          <a:prstGeom prst="straightConnector1">
-            <a:avLst/>
-          </a:prstGeom>
-          <a:ln w="19050">
-            <a:tailEnd type="triangle"/>
-          </a:ln>
-        </p:spPr>
-        <p:style>
-          <a:lnRef idx="1">
-            <a:schemeClr val="accent1"/>
-          </a:lnRef>
-          <a:fillRef idx="0">
-            <a:schemeClr val="accent1"/>
-          </a:fillRef>
-          <a:effectRef idx="0">
-            <a:schemeClr val="accent1"/>
-          </a:effectRef>
-          <a:fontRef idx="minor">
-            <a:schemeClr val="tx1"/>
-          </a:fontRef>
-        </p:style>
-      </p:cxnSp>
-      <p:cxnSp>
-        <p:nvCxnSpPr>
-          <p:cNvPr id="9" name="直接箭头连接符 8"/>
-          <p:cNvCxnSpPr/>
-          <p:nvPr/>
-        </p:nvCxnSpPr>
-        <p:spPr>
-          <a:xfrm flipH="1">
-            <a:off x="3004457" y="4167051"/>
-            <a:ext cx="2429691" cy="0"/>
-          </a:xfrm>
-          <a:prstGeom prst="straightConnector1">
-            <a:avLst/>
-          </a:prstGeom>
-          <a:ln>
-            <a:tailEnd type="triangle"/>
-          </a:ln>
-        </p:spPr>
-        <p:style>
-          <a:lnRef idx="1">
-            <a:schemeClr val="accent1"/>
-          </a:lnRef>
-          <a:fillRef idx="0">
-            <a:schemeClr val="accent1"/>
-          </a:fillRef>
-          <a:effectRef idx="0">
-            <a:schemeClr val="accent1"/>
-          </a:effectRef>
-          <a:fontRef idx="minor">
-            <a:schemeClr val="tx1"/>
-          </a:fontRef>
-        </p:style>
-      </p:cxnSp>
-      <p:cxnSp>
-        <p:nvCxnSpPr>
-          <p:cNvPr id="10" name="直接箭头连接符 9"/>
-          <p:cNvCxnSpPr/>
-          <p:nvPr/>
-        </p:nvCxnSpPr>
-        <p:spPr>
-          <a:xfrm>
-            <a:off x="7223760" y="3513909"/>
-            <a:ext cx="2377439" cy="38460"/>
-          </a:xfrm>
-          <a:prstGeom prst="straightConnector1">
-            <a:avLst/>
-          </a:prstGeom>
-          <a:ln w="19050">
-            <a:tailEnd type="triangle"/>
-          </a:ln>
-        </p:spPr>
-        <p:style>
-          <a:lnRef idx="1">
-            <a:schemeClr val="accent1"/>
-          </a:lnRef>
-          <a:fillRef idx="0">
-            <a:schemeClr val="accent1"/>
-          </a:fillRef>
-          <a:effectRef idx="0">
-            <a:schemeClr val="accent1"/>
-          </a:effectRef>
-          <a:fontRef idx="minor">
-            <a:schemeClr val="tx1"/>
-          </a:fontRef>
-        </p:style>
-      </p:cxnSp>
-      <p:cxnSp>
-        <p:nvCxnSpPr>
-          <p:cNvPr id="15" name="直接箭头连接符 14"/>
-          <p:cNvCxnSpPr/>
-          <p:nvPr/>
-        </p:nvCxnSpPr>
-        <p:spPr>
-          <a:xfrm flipH="1">
-            <a:off x="7171508" y="4005942"/>
-            <a:ext cx="2429691" cy="0"/>
-          </a:xfrm>
-          <a:prstGeom prst="straightConnector1">
-            <a:avLst/>
-          </a:prstGeom>
-          <a:ln>
-            <a:tailEnd type="triangle"/>
-          </a:ln>
-        </p:spPr>
-        <p:style>
-          <a:lnRef idx="1">
-            <a:schemeClr val="accent1"/>
-          </a:lnRef>
-          <a:fillRef idx="0">
-            <a:schemeClr val="accent1"/>
-          </a:fillRef>
-          <a:effectRef idx="0">
-            <a:schemeClr val="accent1"/>
-          </a:effectRef>
-          <a:fontRef idx="minor">
-            <a:schemeClr val="tx1"/>
-          </a:fontRef>
-        </p:style>
-      </p:cxnSp>
-      <p:sp>
-        <p:nvSpPr>
-          <p:cNvPr id="16" name="文本框 15"/>
-          <p:cNvSpPr txBox="1"/>
-          <p:nvPr/>
-        </p:nvSpPr>
-        <p:spPr>
-          <a:xfrm>
-            <a:off x="5773782" y="4638096"/>
-            <a:ext cx="1476103" cy="400110"/>
-          </a:xfrm>
-          <a:prstGeom prst="rect">
-            <a:avLst/>
-          </a:prstGeom>
-          <a:noFill/>
-        </p:spPr>
-        <p:txBody>
-          <a:bodyPr wrap="square" rtlCol="0">
-            <a:spAutoFit/>
-          </a:bodyPr>
-          <a:lstStyle/>
-          <a:p>
-            <a:pPr algn="ctr"/>
-            <a:r>
-              <a:rPr lang="en-US" altLang="zh-CN" sz="2000" dirty="0" smtClean="0"/>
-              <a:t>server</a:t>
-            </a:r>
-            <a:endParaRPr lang="zh-CN" altLang="en-US" sz="2000" dirty="0"/>
-          </a:p>
-        </p:txBody>
-      </p:sp>
-      <p:sp>
-        <p:nvSpPr>
-          <p:cNvPr id="17" name="文本框 16"/>
-          <p:cNvSpPr txBox="1"/>
-          <p:nvPr/>
-        </p:nvSpPr>
-        <p:spPr>
-          <a:xfrm>
-            <a:off x="3553098" y="4208025"/>
-            <a:ext cx="1476103" cy="400110"/>
-          </a:xfrm>
-          <a:prstGeom prst="rect">
-            <a:avLst/>
-          </a:prstGeom>
-          <a:noFill/>
-        </p:spPr>
-        <p:txBody>
-          <a:bodyPr wrap="square" rtlCol="0">
-            <a:spAutoFit/>
-          </a:bodyPr>
-          <a:lstStyle/>
-          <a:p>
-            <a:r>
-              <a:rPr lang="en-US" altLang="zh-CN" sz="2000" dirty="0" smtClean="0"/>
-              <a:t>response</a:t>
-            </a:r>
-            <a:endParaRPr lang="zh-CN" altLang="en-US" sz="2000" dirty="0"/>
-          </a:p>
-        </p:txBody>
-      </p:sp>
-      <p:sp>
-        <p:nvSpPr>
-          <p:cNvPr id="18" name="文本框 17"/>
-          <p:cNvSpPr txBox="1"/>
-          <p:nvPr/>
-        </p:nvSpPr>
-        <p:spPr>
-          <a:xfrm>
-            <a:off x="1489165" y="4704414"/>
-            <a:ext cx="1476103" cy="400110"/>
-          </a:xfrm>
-          <a:prstGeom prst="rect">
-            <a:avLst/>
-          </a:prstGeom>
-          <a:noFill/>
-        </p:spPr>
-        <p:txBody>
-          <a:bodyPr wrap="square" rtlCol="0">
-            <a:spAutoFit/>
-          </a:bodyPr>
-          <a:lstStyle/>
-          <a:p>
-            <a:r>
-              <a:rPr lang="en-US" altLang="zh-CN" sz="2000" dirty="0" smtClean="0"/>
-              <a:t>browser</a:t>
-            </a:r>
-            <a:endParaRPr lang="zh-CN" altLang="en-US" sz="2000" dirty="0"/>
-          </a:p>
-        </p:txBody>
-      </p:sp>
-      <p:sp>
-        <p:nvSpPr>
-          <p:cNvPr id="19" name="文本框 18"/>
-          <p:cNvSpPr txBox="1"/>
-          <p:nvPr/>
-        </p:nvSpPr>
-        <p:spPr>
-          <a:xfrm>
-            <a:off x="3640183" y="3326673"/>
-            <a:ext cx="1476103" cy="400110"/>
-          </a:xfrm>
-          <a:prstGeom prst="rect">
-            <a:avLst/>
-          </a:prstGeom>
-          <a:noFill/>
-        </p:spPr>
-        <p:txBody>
-          <a:bodyPr wrap="square" rtlCol="0">
-            <a:spAutoFit/>
-          </a:bodyPr>
-          <a:lstStyle/>
-          <a:p>
-            <a:r>
-              <a:rPr lang="en-US" altLang="zh-CN" sz="2000" dirty="0" smtClean="0"/>
-              <a:t>request</a:t>
-            </a:r>
-            <a:endParaRPr lang="zh-CN" altLang="en-US" sz="2000" dirty="0"/>
-          </a:p>
-        </p:txBody>
-      </p:sp>
-      <p:sp>
-        <p:nvSpPr>
-          <p:cNvPr id="20" name="文本框 19"/>
-          <p:cNvSpPr txBox="1"/>
-          <p:nvPr/>
-        </p:nvSpPr>
-        <p:spPr>
-          <a:xfrm>
-            <a:off x="9875520" y="4704414"/>
-            <a:ext cx="1476103" cy="400110"/>
-          </a:xfrm>
-          <a:prstGeom prst="rect">
-            <a:avLst/>
-          </a:prstGeom>
-          <a:noFill/>
-        </p:spPr>
-        <p:txBody>
-          <a:bodyPr wrap="square" rtlCol="0">
-            <a:spAutoFit/>
-          </a:bodyPr>
-          <a:lstStyle/>
-          <a:p>
-            <a:pPr algn="ctr"/>
-            <a:r>
-              <a:rPr lang="en-US" altLang="zh-CN" sz="2000" dirty="0" smtClean="0"/>
-              <a:t>DB</a:t>
-            </a:r>
-            <a:endParaRPr lang="zh-CN" altLang="en-US" sz="2000" dirty="0"/>
-          </a:p>
-        </p:txBody>
-      </p:sp>
-    </p:spTree>
-    <p:extLst>
-      <p:ext uri="{BB962C8B-B14F-4D97-AF65-F5344CB8AC3E}">
-        <p14:creationId xmlns:p14="http://schemas.microsoft.com/office/powerpoint/2010/main" val="3244944252"/>
-      </p:ext>
-    </p:extLst>
-  </p:cSld>
-  <p:clrMapOvr>
-    <a:masterClrMapping/>
-  </p:clrMapOvr>
-  <p:timing>
-    <p:tnLst>
-      <p:par>
-        <p:cTn id="1" dur="indefinite" restart="never" nodeType="tmRoot"/>
-      </p:par>
-    </p:tnLst>
-  </p:timing>
-</p:sld>
-</file>
-
-<file path=ppt/slides/slide14.xml><?xml version="1.0" encoding="utf-8"?>
-<p:sld xmlns:a="http://schemas.openxmlformats.org/drawingml/2006/main" xmlns:r="http://schemas.openxmlformats.org/officeDocument/2006/relationships" xmlns:p="http://schemas.openxmlformats.org/presentationml/2006/main">
-  <p:cSld>
-    <p:spTree>
-      <p:nvGrpSpPr>
-        <p:cNvPr id="1" name=""/>
-        <p:cNvGrpSpPr/>
-        <p:nvPr/>
-      </p:nvGrpSpPr>
-      <p:grpSpPr>
-        <a:xfrm>
-          <a:off x="0" y="0"/>
-          <a:ext cx="0" cy="0"/>
-          <a:chOff x="0" y="0"/>
-          <a:chExt cx="0" cy="0"/>
-        </a:xfrm>
-      </p:grpSpPr>
-      <p:sp>
-        <p:nvSpPr>
-          <p:cNvPr id="2" name="标题 1"/>
-          <p:cNvSpPr>
-            <a:spLocks noGrp="1"/>
-          </p:cNvSpPr>
-          <p:nvPr>
-            <p:ph type="title"/>
-          </p:nvPr>
-        </p:nvSpPr>
-        <p:spPr/>
-        <p:txBody>
-          <a:bodyPr/>
-          <a:lstStyle/>
-          <a:p>
-            <a:r>
-              <a:rPr lang="zh-CN" altLang="en-US" dirty="0" smtClean="0"/>
-              <a:t>一个</a:t>
-            </a:r>
-            <a:r>
-              <a:rPr lang="en-US" altLang="zh-CN" dirty="0" err="1" smtClean="0"/>
-              <a:t>NodeJS</a:t>
-            </a:r>
-            <a:r>
-              <a:rPr lang="zh-CN" altLang="en-US" dirty="0" smtClean="0"/>
-              <a:t>版服务器</a:t>
-            </a:r>
-            <a:r>
-              <a:rPr lang="en-US" altLang="zh-CN" dirty="0" smtClean="0"/>
-              <a:t>hello world</a:t>
-            </a:r>
-            <a:r>
-              <a:rPr lang="zh-CN" altLang="en-US" dirty="0" smtClean="0"/>
-              <a:t>程序</a:t>
-            </a:r>
-            <a:endParaRPr lang="zh-CN" altLang="en-US" dirty="0"/>
-          </a:p>
-        </p:txBody>
-      </p:sp>
-      <p:sp>
-        <p:nvSpPr>
-          <p:cNvPr id="3" name="内容占位符 2"/>
-          <p:cNvSpPr>
-            <a:spLocks noGrp="1"/>
-          </p:cNvSpPr>
-          <p:nvPr>
-            <p:ph idx="1"/>
-          </p:nvPr>
-        </p:nvSpPr>
-        <p:spPr/>
-        <p:txBody>
-          <a:bodyPr/>
-          <a:lstStyle/>
-          <a:p>
-            <a:endParaRPr lang="zh-CN" altLang="en-US" dirty="0"/>
-          </a:p>
-        </p:txBody>
-      </p:sp>
-      <p:pic>
-        <p:nvPicPr>
-          <p:cNvPr id="7" name="图片 6"/>
-          <p:cNvPicPr>
-            <a:picLocks noChangeAspect="1"/>
-          </p:cNvPicPr>
-          <p:nvPr/>
-        </p:nvPicPr>
-        <p:blipFill>
-          <a:blip r:embed="rId2"/>
-          <a:stretch>
-            <a:fillRect/>
-          </a:stretch>
-        </p:blipFill>
-        <p:spPr>
-          <a:xfrm>
-            <a:off x="1360538" y="1939356"/>
-            <a:ext cx="8373644" cy="2953162"/>
-          </a:xfrm>
-          <a:prstGeom prst="rect">
-            <a:avLst/>
-          </a:prstGeom>
-        </p:spPr>
-      </p:pic>
-    </p:spTree>
-    <p:extLst>
-      <p:ext uri="{BB962C8B-B14F-4D97-AF65-F5344CB8AC3E}">
-        <p14:creationId xmlns:p14="http://schemas.microsoft.com/office/powerpoint/2010/main" val="2246575503"/>
-      </p:ext>
-    </p:extLst>
-  </p:cSld>
-  <p:clrMapOvr>
-    <a:masterClrMapping/>
-  </p:clrMapOvr>
-  <p:timing>
-    <p:tnLst>
-      <p:par>
-        <p:cTn id="1" dur="indefinite" restart="never" nodeType="tmRoot"/>
-      </p:par>
-    </p:tnLst>
-  </p:timing>
-</p:sld>
-</file>
-
-<file path=ppt/slides/slide15.xml><?xml version="1.0" encoding="utf-8"?>
-<p:sld xmlns:a="http://schemas.openxmlformats.org/drawingml/2006/main" xmlns:r="http://schemas.openxmlformats.org/officeDocument/2006/relationships" xmlns:p="http://schemas.openxmlformats.org/presentationml/2006/main">
-  <p:cSld>
-    <p:spTree>
-      <p:nvGrpSpPr>
-        <p:cNvPr id="1" name=""/>
-        <p:cNvGrpSpPr/>
-        <p:nvPr/>
-      </p:nvGrpSpPr>
-      <p:grpSpPr>
-        <a:xfrm>
-          <a:off x="0" y="0"/>
-          <a:ext cx="0" cy="0"/>
-          <a:chOff x="0" y="0"/>
-          <a:chExt cx="0" cy="0"/>
-        </a:xfrm>
-      </p:grpSpPr>
-      <p:sp>
-        <p:nvSpPr>
-          <p:cNvPr id="2" name="标题 1"/>
-          <p:cNvSpPr>
-            <a:spLocks noGrp="1"/>
-          </p:cNvSpPr>
-          <p:nvPr>
-            <p:ph type="title"/>
-          </p:nvPr>
-        </p:nvSpPr>
-        <p:spPr/>
-        <p:txBody>
-          <a:bodyPr/>
-          <a:lstStyle/>
-          <a:p>
-            <a:endParaRPr lang="zh-CN" altLang="en-US"/>
-          </a:p>
-        </p:txBody>
-      </p:sp>
-      <p:sp>
-        <p:nvSpPr>
-          <p:cNvPr id="3" name="内容占位符 2"/>
-          <p:cNvSpPr>
-            <a:spLocks noGrp="1"/>
-          </p:cNvSpPr>
-          <p:nvPr>
-            <p:ph idx="1"/>
-          </p:nvPr>
-        </p:nvSpPr>
-        <p:spPr/>
-        <p:txBody>
-          <a:bodyPr/>
-          <a:lstStyle/>
-          <a:p>
-            <a:endParaRPr lang="zh-CN" altLang="en-US"/>
-          </a:p>
-        </p:txBody>
-      </p:sp>
-    </p:spTree>
-    <p:extLst>
-      <p:ext uri="{BB962C8B-B14F-4D97-AF65-F5344CB8AC3E}">
-        <p14:creationId xmlns:p14="http://schemas.microsoft.com/office/powerpoint/2010/main" val="2039582927"/>
-      </p:ext>
-    </p:extLst>
-  </p:cSld>
-  <p:clrMapOvr>
-    <a:masterClrMapping/>
-  </p:clrMapOvr>
 </p:sld>
 </file>
 
@@ -5085,9 +4864,10 @@
               <a:buChar char="l"/>
             </a:pPr>
             <a:r>
-              <a:rPr lang="en-US" altLang="zh-CN" sz="2800" dirty="0"/>
-              <a:t>Bootstrap ABC·····</a:t>
-            </a:r>
+              <a:rPr lang="zh-CN" altLang="en-US" sz="2800" dirty="0"/>
+              <a:t>项目目录结构</a:t>
+            </a:r>
+            <a:endParaRPr lang="en-US" altLang="zh-CN" sz="2800" dirty="0"/>
           </a:p>
           <a:p>
             <a:pPr>
@@ -5095,13 +4875,10 @@
               <a:buChar char="l"/>
             </a:pPr>
             <a:r>
-              <a:rPr lang="en-US" altLang="zh-CN" sz="2800" dirty="0"/>
-              <a:t>AngularJS ABC</a:t>
-            </a:r>
-            <a:r>
-              <a:rPr lang="en-US" altLang="zh-CN" sz="2800" dirty="0" smtClean="0"/>
-              <a:t>·····</a:t>
-            </a:r>
+              <a:rPr lang="en-US" altLang="zh-CN" sz="2800" dirty="0" err="1" smtClean="0"/>
+              <a:t>package.json</a:t>
+            </a:r>
+            <a:endParaRPr lang="en-US" altLang="zh-CN" sz="2800" dirty="0" smtClean="0"/>
           </a:p>
           <a:p>
             <a:pPr>
@@ -5109,17 +4886,18 @@
               <a:buChar char="l"/>
             </a:pPr>
             <a:r>
+              <a:rPr lang="en-US" altLang="zh-CN" sz="2800" dirty="0"/>
+              <a:t>Zen coding</a:t>
+            </a:r>
+            <a:r>
+              <a:rPr lang="zh-CN" altLang="en-US" sz="2800" dirty="0"/>
+              <a:t>、</a:t>
+            </a:r>
+            <a:r>
               <a:rPr lang="en-US" altLang="zh-CN" sz="2800" dirty="0" smtClean="0"/>
-              <a:t>Zen coding</a:t>
-            </a:r>
-            <a:r>
-              <a:rPr lang="zh-CN" altLang="en-US" sz="2800" dirty="0" smtClean="0"/>
-              <a:t>、</a:t>
-            </a:r>
-            <a:r>
-              <a:rPr lang="en-US" altLang="zh-CN" sz="2800" dirty="0" smtClean="0"/>
-              <a:t>sass</a:t>
-            </a:r>
+              <a:t>Sass</a:t>
+            </a:r>
+            <a:endParaRPr lang="en-US" altLang="zh-CN" sz="2800" dirty="0"/>
           </a:p>
           <a:p>
             <a:pPr>
@@ -5131,12 +4909,16 @@
               <a:t>使用</a:t>
             </a:r>
             <a:r>
-              <a:rPr lang="en-US" altLang="zh-CN" sz="2800" dirty="0" smtClean="0"/>
+              <a:rPr lang="en-US" altLang="zh-CN" sz="2800" dirty="0"/>
               <a:t>gulp</a:t>
             </a:r>
             <a:r>
+              <a:rPr lang="zh-CN" altLang="en-US" sz="2800" dirty="0"/>
+              <a:t>构建自动化</a:t>
+            </a:r>
+            <a:r>
               <a:rPr lang="zh-CN" altLang="en-US" sz="2800" dirty="0" smtClean="0"/>
-              <a:t>构建自动化任务</a:t>
+              <a:t>任务</a:t>
             </a:r>
             <a:endParaRPr lang="en-US" altLang="zh-CN" sz="2800" dirty="0" smtClean="0"/>
           </a:p>
@@ -5146,18 +4928,18 @@
               <a:buChar char="l"/>
             </a:pPr>
             <a:r>
-              <a:rPr lang="en-US" altLang="zh-CN" sz="2800" dirty="0" smtClean="0"/>
-              <a:t> </a:t>
+              <a:rPr lang="zh-CN" altLang="en-US" sz="2800" dirty="0" smtClean="0"/>
+              <a:t>前</a:t>
             </a:r>
             <a:r>
               <a:rPr lang="zh-CN" altLang="en-US" sz="2800" dirty="0"/>
-              <a:t>关于</a:t>
-            </a:r>
-            <a:r>
-              <a:rPr lang="en-US" altLang="zh-CN" sz="2800" dirty="0" err="1" smtClean="0"/>
-              <a:t>package.json</a:t>
-            </a:r>
-            <a:endParaRPr lang="en-US" altLang="zh-CN" sz="2800" dirty="0" smtClean="0"/>
+              <a:t>后台</a:t>
+            </a:r>
+            <a:r>
+              <a:rPr lang="zh-CN" altLang="en-US" sz="2800" dirty="0" smtClean="0"/>
+              <a:t>交互</a:t>
+            </a:r>
+            <a:endParaRPr lang="en-US" altLang="zh-CN" sz="2800" dirty="0"/>
           </a:p>
           <a:p>
             <a:pPr>
@@ -5166,13 +4948,9 @@
             </a:pPr>
             <a:r>
               <a:rPr lang="zh-CN" altLang="en-US" sz="2800" dirty="0" smtClean="0"/>
-              <a:t>前</a:t>
-            </a:r>
-            <a:r>
-              <a:rPr lang="zh-CN" altLang="en-US" sz="2800" dirty="0"/>
-              <a:t>后台交互</a:t>
-            </a:r>
-            <a:endParaRPr lang="en-US" altLang="zh-CN" sz="2800" dirty="0"/>
+              <a:t>单页应用</a:t>
+            </a:r>
+            <a:endParaRPr lang="en-US" altLang="zh-CN" sz="2800" dirty="0" smtClean="0"/>
           </a:p>
           <a:p>
             <a:pPr>
@@ -5180,8 +4958,8 @@
               <a:buChar char="l"/>
             </a:pPr>
             <a:r>
-              <a:rPr lang="zh-CN" altLang="en-US" sz="2800" dirty="0" smtClean="0"/>
-              <a:t>单页应用</a:t>
+              <a:rPr lang="zh-CN" altLang="en-US" sz="2800" dirty="0"/>
+              <a:t>案例</a:t>
             </a:r>
             <a:endParaRPr lang="en-US" altLang="zh-CN" sz="2800" dirty="0" smtClean="0"/>
           </a:p>
@@ -5240,8 +5018,8 @@
           <a:lstStyle/>
           <a:p>
             <a:r>
-              <a:rPr lang="en-US" altLang="zh-CN" dirty="0" smtClean="0"/>
-              <a:t>bootstrap</a:t>
+              <a:rPr lang="zh-CN" altLang="en-US" dirty="0" smtClean="0"/>
+              <a:t>项目目录结构</a:t>
             </a:r>
             <a:endParaRPr lang="zh-CN" altLang="en-US" dirty="0"/>
           </a:p>
@@ -5249,69 +5027,188 @@
       </p:sp>
       <p:sp>
         <p:nvSpPr>
-          <p:cNvPr id="3" name="内容占位符 2"/>
-          <p:cNvSpPr>
-            <a:spLocks noGrp="1"/>
-          </p:cNvSpPr>
-          <p:nvPr>
-            <p:ph idx="1"/>
-          </p:nvPr>
-        </p:nvSpPr>
-        <p:spPr/>
-        <p:txBody>
-          <a:bodyPr>
-            <a:normAutofit/>
+          <p:cNvPr id="7" name="文本框 6"/>
+          <p:cNvSpPr txBox="1"/>
+          <p:nvPr/>
+        </p:nvSpPr>
+        <p:spPr>
+          <a:xfrm>
+            <a:off x="4624251" y="2233749"/>
+            <a:ext cx="6531429" cy="3539430"/>
+          </a:xfrm>
+          <a:prstGeom prst="rect">
+            <a:avLst/>
+          </a:prstGeom>
+          <a:noFill/>
+        </p:spPr>
+        <p:txBody>
+          <a:bodyPr wrap="square" rtlCol="0">
+            <a:spAutoFit/>
           </a:bodyPr>
           <a:lstStyle/>
           <a:p>
-            <a:pPr marL="0" indent="0">
-              <a:buNone/>
+            <a:pPr marL="285750" indent="-285750">
+              <a:buFont typeface="Arial" panose="020B0604020202020204" pitchFamily="34" charset="0"/>
+              <a:buChar char="•"/>
             </a:pPr>
             <a:r>
-              <a:rPr lang="zh-CN" altLang="en-US" sz="2800" dirty="0" smtClean="0"/>
-              <a:t>定位：</a:t>
-            </a:r>
-            <a:r>
-              <a:rPr lang="en-US" altLang="zh-CN" sz="2800" dirty="0" smtClean="0"/>
-              <a:t>HTML/CSS</a:t>
-            </a:r>
-            <a:r>
-              <a:rPr lang="zh-CN" altLang="en-US" sz="2800" dirty="0" smtClean="0"/>
-              <a:t>框架</a:t>
-            </a:r>
-            <a:endParaRPr lang="en-US" altLang="zh-CN" sz="2800" dirty="0" smtClean="0"/>
-          </a:p>
-          <a:p>
-            <a:pPr>
-              <a:buFont typeface="Wingdings" panose="05000000000000000000" pitchFamily="2" charset="2"/>
-              <a:buChar char="l"/>
+              <a:rPr lang="en-US" altLang="zh-CN" sz="3200" b="1" dirty="0" err="1" smtClean="0"/>
+              <a:t>node_modules</a:t>
+            </a:r>
+            <a:r>
+              <a:rPr lang="zh-CN" altLang="en-US" sz="3200" dirty="0" smtClean="0"/>
+              <a:t>：</a:t>
+            </a:r>
+            <a:r>
+              <a:rPr lang="en-US" altLang="zh-CN" sz="3200" dirty="0" err="1" smtClean="0"/>
+              <a:t>nodejs</a:t>
+            </a:r>
+            <a:r>
+              <a:rPr lang="zh-CN" altLang="en-US" sz="3200" dirty="0" smtClean="0"/>
+              <a:t>依赖的包</a:t>
+            </a:r>
+            <a:endParaRPr lang="en-US" altLang="zh-CN" sz="3200" dirty="0" smtClean="0"/>
+          </a:p>
+          <a:p>
+            <a:pPr marL="285750" indent="-285750">
+              <a:buFont typeface="Arial" panose="020B0604020202020204" pitchFamily="34" charset="0"/>
+              <a:buChar char="•"/>
             </a:pPr>
             <a:r>
-              <a:rPr lang="zh-CN" altLang="en-US" sz="2800" dirty="0"/>
-              <a:t>栅格</a:t>
-            </a:r>
-            <a:r>
-              <a:rPr lang="zh-CN" altLang="en-US" sz="2800" dirty="0" smtClean="0"/>
-              <a:t>系统</a:t>
-            </a:r>
-            <a:endParaRPr lang="en-US" altLang="zh-CN" sz="2800" dirty="0" smtClean="0"/>
-          </a:p>
-          <a:p>
-            <a:pPr>
-              <a:buFont typeface="Wingdings" panose="05000000000000000000" pitchFamily="2" charset="2"/>
-              <a:buChar char="l"/>
+              <a:rPr lang="en-US" altLang="zh-CN" sz="3200" b="1" dirty="0" smtClean="0"/>
+              <a:t>public </a:t>
+            </a:r>
+            <a:r>
+              <a:rPr lang="zh-CN" altLang="en-US" sz="3200" dirty="0" smtClean="0"/>
+              <a:t>：前端代码</a:t>
+            </a:r>
+            <a:endParaRPr lang="en-US" altLang="zh-CN" sz="3200" dirty="0" smtClean="0"/>
+          </a:p>
+          <a:p>
+            <a:pPr marL="742950" lvl="1" indent="-285750">
+              <a:buFont typeface="Arial" panose="020B0604020202020204" pitchFamily="34" charset="0"/>
+              <a:buChar char="•"/>
             </a:pPr>
             <a:r>
-              <a:rPr lang="zh-CN" altLang="en-US" sz="2800" dirty="0"/>
-              <a:t>组件</a:t>
-            </a:r>
-          </a:p>
-        </p:txBody>
-      </p:sp>
+              <a:rPr lang="en-US" altLang="zh-CN" sz="3200" dirty="0" smtClean="0"/>
+              <a:t>sass: sass</a:t>
+            </a:r>
+            <a:r>
+              <a:rPr lang="zh-CN" altLang="en-US" sz="3200" dirty="0" smtClean="0"/>
+              <a:t>源文件</a:t>
+            </a:r>
+            <a:endParaRPr lang="en-US" altLang="zh-CN" sz="3200" dirty="0" smtClean="0"/>
+          </a:p>
+          <a:p>
+            <a:pPr marL="742950" lvl="1" indent="-285750">
+              <a:buFont typeface="Arial" panose="020B0604020202020204" pitchFamily="34" charset="0"/>
+              <a:buChar char="•"/>
+            </a:pPr>
+            <a:r>
+              <a:rPr lang="en-US" altLang="zh-CN" sz="3200" dirty="0" smtClean="0"/>
+              <a:t>stylesheet:</a:t>
+            </a:r>
+            <a:r>
+              <a:rPr lang="zh-CN" altLang="en-US" sz="3200" dirty="0" smtClean="0"/>
+              <a:t>编译后的</a:t>
+            </a:r>
+            <a:r>
+              <a:rPr lang="en-US" altLang="zh-CN" sz="3200" dirty="0" err="1" smtClean="0"/>
+              <a:t>css</a:t>
+            </a:r>
+            <a:r>
+              <a:rPr lang="zh-CN" altLang="en-US" sz="3200" dirty="0" smtClean="0"/>
+              <a:t>文件</a:t>
+            </a:r>
+            <a:endParaRPr lang="en-US" altLang="zh-CN" sz="3200" dirty="0" smtClean="0"/>
+          </a:p>
+          <a:p>
+            <a:pPr marL="742950" lvl="1" indent="-285750">
+              <a:buFont typeface="Arial" panose="020B0604020202020204" pitchFamily="34" charset="0"/>
+              <a:buChar char="•"/>
+            </a:pPr>
+            <a:r>
+              <a:rPr lang="en-US" altLang="zh-CN" sz="3200" dirty="0" err="1" smtClean="0"/>
+              <a:t>template:HTML</a:t>
+            </a:r>
+            <a:r>
+              <a:rPr lang="zh-CN" altLang="en-US" sz="3200" dirty="0" smtClean="0"/>
+              <a:t>模板文件</a:t>
+            </a:r>
+            <a:endParaRPr lang="en-US" altLang="zh-CN" sz="3200" dirty="0" smtClean="0"/>
+          </a:p>
+          <a:p>
+            <a:pPr marL="285750" indent="-285750">
+              <a:buFont typeface="Arial" panose="020B0604020202020204" pitchFamily="34" charset="0"/>
+              <a:buChar char="•"/>
+            </a:pPr>
+            <a:r>
+              <a:rPr lang="en-US" altLang="zh-CN" sz="3200" b="1" dirty="0" smtClean="0"/>
+              <a:t>gulpfile.js</a:t>
+            </a:r>
+            <a:r>
+              <a:rPr lang="zh-CN" altLang="en-US" sz="3200" dirty="0" smtClean="0"/>
+              <a:t>：</a:t>
+            </a:r>
+            <a:r>
+              <a:rPr lang="en-US" altLang="zh-CN" sz="3200" dirty="0" smtClean="0"/>
+              <a:t>gulp</a:t>
+            </a:r>
+            <a:r>
+              <a:rPr lang="zh-CN" altLang="en-US" sz="3200" dirty="0" smtClean="0"/>
+              <a:t>自动化任务脚本</a:t>
+            </a:r>
+            <a:endParaRPr lang="en-US" altLang="zh-CN" sz="3200" dirty="0" smtClean="0"/>
+          </a:p>
+          <a:p>
+            <a:pPr marL="285750" indent="-285750">
+              <a:buFont typeface="Arial" panose="020B0604020202020204" pitchFamily="34" charset="0"/>
+              <a:buChar char="•"/>
+            </a:pPr>
+            <a:r>
+              <a:rPr lang="en-US" altLang="zh-CN" sz="3200" b="1" dirty="0" err="1" smtClean="0"/>
+              <a:t>package.json</a:t>
+            </a:r>
+            <a:r>
+              <a:rPr lang="zh-CN" altLang="en-US" sz="3200" b="1" dirty="0" smtClean="0"/>
+              <a:t>：</a:t>
+            </a:r>
+            <a:r>
+              <a:rPr lang="zh-CN" altLang="en-US" sz="3200" dirty="0" smtClean="0"/>
+              <a:t>项目配置信息</a:t>
+            </a:r>
+            <a:endParaRPr lang="zh-CN" altLang="en-US" sz="3200" dirty="0"/>
+          </a:p>
+        </p:txBody>
+      </p:sp>
+      <p:pic>
+        <p:nvPicPr>
+          <p:cNvPr id="4" name="图片 3"/>
+          <p:cNvPicPr>
+            <a:picLocks noChangeAspect="1"/>
+          </p:cNvPicPr>
+          <p:nvPr/>
+        </p:nvPicPr>
+        <p:blipFill>
+          <a:blip r:embed="rId2"/>
+          <a:stretch>
+            <a:fillRect/>
+          </a:stretch>
+        </p:blipFill>
+        <p:spPr>
+          <a:xfrm>
+            <a:off x="1238125" y="1737360"/>
+            <a:ext cx="2710420" cy="4786486"/>
+          </a:xfrm>
+          <a:prstGeom prst="rect">
+            <a:avLst/>
+          </a:prstGeom>
+        </p:spPr>
+      </p:pic>
     </p:spTree>
     <p:extLst>
       <p:ext uri="{BB962C8B-B14F-4D97-AF65-F5344CB8AC3E}">
-        <p14:creationId xmlns:p14="http://schemas.microsoft.com/office/powerpoint/2010/main" val="2416518393"/>
+        <p14:creationId xmlns:p14="http://schemas.microsoft.com/office/powerpoint/2010/main" val="3468427153"/>
       </p:ext>
     </p:extLst>
   </p:cSld>
@@ -5329,887 +5226,6 @@
 </file>
 
 <file path=ppt/slides/slide4.xml><?xml version="1.0" encoding="utf-8"?>
-<p:sld xmlns:a="http://schemas.openxmlformats.org/drawingml/2006/main" xmlns:r="http://schemas.openxmlformats.org/officeDocument/2006/relationships" xmlns:p="http://schemas.openxmlformats.org/presentationml/2006/main">
-  <p:cSld>
-    <p:spTree>
-      <p:nvGrpSpPr>
-        <p:cNvPr id="1" name=""/>
-        <p:cNvGrpSpPr/>
-        <p:nvPr/>
-      </p:nvGrpSpPr>
-      <p:grpSpPr>
-        <a:xfrm>
-          <a:off x="0" y="0"/>
-          <a:ext cx="0" cy="0"/>
-          <a:chOff x="0" y="0"/>
-          <a:chExt cx="0" cy="0"/>
-        </a:xfrm>
-      </p:grpSpPr>
-      <p:sp>
-        <p:nvSpPr>
-          <p:cNvPr id="2" name="标题 1"/>
-          <p:cNvSpPr>
-            <a:spLocks noGrp="1"/>
-          </p:cNvSpPr>
-          <p:nvPr>
-            <p:ph type="title"/>
-          </p:nvPr>
-        </p:nvSpPr>
-        <p:spPr/>
-        <p:txBody>
-          <a:bodyPr/>
-          <a:lstStyle/>
-          <a:p>
-            <a:r>
-              <a:rPr lang="en-US" altLang="zh-CN" dirty="0" smtClean="0"/>
-              <a:t>AngularJS</a:t>
-            </a:r>
-            <a:endParaRPr lang="zh-CN" altLang="en-US" dirty="0"/>
-          </a:p>
-        </p:txBody>
-      </p:sp>
-      <p:sp>
-        <p:nvSpPr>
-          <p:cNvPr id="3" name="内容占位符 2"/>
-          <p:cNvSpPr>
-            <a:spLocks noGrp="1"/>
-          </p:cNvSpPr>
-          <p:nvPr>
-            <p:ph idx="1"/>
-          </p:nvPr>
-        </p:nvSpPr>
-        <p:spPr/>
-        <p:txBody>
-          <a:bodyPr/>
-          <a:lstStyle/>
-          <a:p>
-            <a:r>
-              <a:rPr lang="zh-CN" altLang="en-US" sz="2800" dirty="0" smtClean="0"/>
-              <a:t>定位：</a:t>
-            </a:r>
-            <a:r>
-              <a:rPr lang="zh-CN" altLang="en-US" sz="2800" dirty="0"/>
-              <a:t>前端</a:t>
-            </a:r>
-            <a:r>
-              <a:rPr lang="en-US" altLang="zh-CN" sz="2800" dirty="0"/>
-              <a:t>JS</a:t>
-            </a:r>
-            <a:r>
-              <a:rPr lang="zh-CN" altLang="en-US" sz="2800" dirty="0" smtClean="0"/>
-              <a:t>框架；</a:t>
-            </a:r>
-            <a:endParaRPr lang="en-US" altLang="zh-CN" sz="2800" dirty="0" smtClean="0"/>
-          </a:p>
-          <a:p>
-            <a:pPr>
-              <a:buFont typeface="Wingdings" panose="05000000000000000000" pitchFamily="2" charset="2"/>
-              <a:buChar char="l"/>
-            </a:pPr>
-            <a:r>
-              <a:rPr lang="zh-CN" altLang="en-US" sz="2800" dirty="0"/>
-              <a:t>双向</a:t>
-            </a:r>
-            <a:r>
-              <a:rPr lang="zh-CN" altLang="en-US" sz="2800" dirty="0" smtClean="0"/>
-              <a:t>数据绑定</a:t>
-            </a:r>
-            <a:endParaRPr lang="en-US" altLang="zh-CN" sz="2800" dirty="0" smtClean="0"/>
-          </a:p>
-          <a:p>
-            <a:pPr>
-              <a:buFont typeface="Wingdings" panose="05000000000000000000" pitchFamily="2" charset="2"/>
-              <a:buChar char="l"/>
-            </a:pPr>
-            <a:r>
-              <a:rPr lang="zh-CN" altLang="en-US" sz="2800" dirty="0" smtClean="0"/>
-              <a:t>依赖</a:t>
-            </a:r>
-            <a:r>
-              <a:rPr lang="zh-CN" altLang="en-US" sz="2800" dirty="0" smtClean="0"/>
-              <a:t>注入</a:t>
-            </a:r>
-            <a:endParaRPr lang="en-US" altLang="zh-CN" sz="2800" dirty="0" smtClean="0"/>
-          </a:p>
-          <a:p>
-            <a:pPr marL="0" indent="0">
-              <a:buNone/>
-            </a:pPr>
-            <a:r>
-              <a:rPr lang="zh-CN" altLang="en-US" sz="2800" dirty="0"/>
-              <a:t>替代</a:t>
-            </a:r>
-            <a:r>
-              <a:rPr lang="zh-CN" altLang="en-US" sz="2800" dirty="0" smtClean="0"/>
-              <a:t>选项：</a:t>
-            </a:r>
-            <a:r>
-              <a:rPr lang="en-US" altLang="zh-CN" sz="2800" dirty="0" smtClean="0"/>
-              <a:t>Angular2</a:t>
-            </a:r>
-            <a:r>
-              <a:rPr lang="zh-CN" altLang="en-US" sz="2800" dirty="0" smtClean="0"/>
-              <a:t>、</a:t>
-            </a:r>
-            <a:r>
-              <a:rPr lang="en-US" altLang="zh-CN" sz="2800" dirty="0" smtClean="0"/>
-              <a:t>React</a:t>
-            </a:r>
-            <a:r>
-              <a:rPr lang="zh-CN" altLang="en-US" sz="2800" dirty="0" smtClean="0"/>
-              <a:t>、</a:t>
-            </a:r>
-            <a:r>
-              <a:rPr lang="en-US" altLang="zh-CN" sz="2800" dirty="0" err="1" smtClean="0"/>
-              <a:t>Vue</a:t>
-            </a:r>
-            <a:endParaRPr lang="en-US" altLang="zh-CN" sz="2800" dirty="0" smtClean="0"/>
-          </a:p>
-          <a:p>
-            <a:pPr marL="0" indent="0">
-              <a:buNone/>
-            </a:pPr>
-            <a:endParaRPr lang="en-US" altLang="zh-CN" dirty="0" smtClean="0"/>
-          </a:p>
-          <a:p>
-            <a:pPr>
-              <a:buFont typeface="Wingdings" panose="05000000000000000000" pitchFamily="2" charset="2"/>
-              <a:buChar char="l"/>
-            </a:pPr>
-            <a:r>
-              <a:rPr lang="en-US" altLang="zh-CN" dirty="0" smtClean="0"/>
-              <a:t>$http/$filter/$scope</a:t>
-            </a:r>
-          </a:p>
-          <a:p>
-            <a:pPr>
-              <a:buFont typeface="Wingdings" panose="05000000000000000000" pitchFamily="2" charset="2"/>
-              <a:buChar char="l"/>
-            </a:pPr>
-            <a:r>
-              <a:rPr lang="en-US" altLang="zh-CN" dirty="0" smtClean="0"/>
-              <a:t>Ng-model/ng-controller/ng-show/ng-hide/ng-app</a:t>
-            </a:r>
-            <a:endParaRPr lang="zh-CN" altLang="en-US" dirty="0"/>
-          </a:p>
-        </p:txBody>
-      </p:sp>
-    </p:spTree>
-    <p:extLst>
-      <p:ext uri="{BB962C8B-B14F-4D97-AF65-F5344CB8AC3E}">
-        <p14:creationId xmlns:p14="http://schemas.microsoft.com/office/powerpoint/2010/main" val="1583300552"/>
-      </p:ext>
-    </p:extLst>
-  </p:cSld>
-  <p:clrMapOvr>
-    <a:masterClrMapping/>
-  </p:clrMapOvr>
-  <p:timing>
-    <p:tnLst>
-      <p:par>
-        <p:cTn id="1" dur="indefinite" restart="never" nodeType="tmRoot"/>
-      </p:par>
-    </p:tnLst>
-  </p:timing>
-</p:sld>
-</file>
-
-<file path=ppt/slides/slide5.xml><?xml version="1.0" encoding="utf-8"?>
-<p:sld xmlns:a="http://schemas.openxmlformats.org/drawingml/2006/main" xmlns:r="http://schemas.openxmlformats.org/officeDocument/2006/relationships" xmlns:p="http://schemas.openxmlformats.org/presentationml/2006/main">
-  <p:cSld>
-    <p:spTree>
-      <p:nvGrpSpPr>
-        <p:cNvPr id="1" name=""/>
-        <p:cNvGrpSpPr/>
-        <p:nvPr/>
-      </p:nvGrpSpPr>
-      <p:grpSpPr>
-        <a:xfrm>
-          <a:off x="0" y="0"/>
-          <a:ext cx="0" cy="0"/>
-          <a:chOff x="0" y="0"/>
-          <a:chExt cx="0" cy="0"/>
-        </a:xfrm>
-      </p:grpSpPr>
-      <p:sp>
-        <p:nvSpPr>
-          <p:cNvPr id="2" name="标题 1"/>
-          <p:cNvSpPr>
-            <a:spLocks noGrp="1"/>
-          </p:cNvSpPr>
-          <p:nvPr>
-            <p:ph type="title"/>
-          </p:nvPr>
-        </p:nvSpPr>
-        <p:spPr/>
-        <p:txBody>
-          <a:bodyPr/>
-          <a:lstStyle/>
-          <a:p>
-            <a:r>
-              <a:rPr lang="zh-CN" altLang="en-US" dirty="0"/>
-              <a:t>本次</a:t>
-            </a:r>
-            <a:r>
-              <a:rPr lang="zh-CN" altLang="en-US" dirty="0" smtClean="0"/>
-              <a:t>开发前端涉及技术</a:t>
-            </a:r>
-            <a:endParaRPr lang="zh-CN" altLang="en-US" dirty="0"/>
-          </a:p>
-        </p:txBody>
-      </p:sp>
-      <p:sp>
-        <p:nvSpPr>
-          <p:cNvPr id="3" name="内容占位符 2"/>
-          <p:cNvSpPr>
-            <a:spLocks noGrp="1"/>
-          </p:cNvSpPr>
-          <p:nvPr>
-            <p:ph idx="1"/>
-          </p:nvPr>
-        </p:nvSpPr>
-        <p:spPr/>
-        <p:txBody>
-          <a:bodyPr/>
-          <a:lstStyle/>
-          <a:p>
-            <a:pPr>
-              <a:buFont typeface="Wingdings" panose="05000000000000000000" pitchFamily="2" charset="2"/>
-              <a:buChar char="l"/>
-            </a:pPr>
-            <a:r>
-              <a:rPr lang="en-US" altLang="zh-CN" b="1" dirty="0" smtClean="0"/>
-              <a:t>HTML</a:t>
-            </a:r>
-            <a:r>
-              <a:rPr lang="zh-CN" altLang="en-US" b="1" dirty="0" smtClean="0"/>
-              <a:t>、</a:t>
-            </a:r>
-            <a:r>
-              <a:rPr lang="en-US" altLang="zh-CN" b="1" dirty="0" smtClean="0"/>
-              <a:t>CSS</a:t>
-            </a:r>
-            <a:r>
-              <a:rPr lang="zh-CN" altLang="en-US" b="1" dirty="0" smtClean="0"/>
-              <a:t>、</a:t>
-            </a:r>
-            <a:r>
-              <a:rPr lang="en-US" altLang="zh-CN" b="1" dirty="0" err="1" smtClean="0"/>
-              <a:t>Javascript</a:t>
-            </a:r>
-            <a:endParaRPr lang="en-US" altLang="zh-CN" b="1" dirty="0" smtClean="0"/>
-          </a:p>
-          <a:p>
-            <a:pPr>
-              <a:buFont typeface="Wingdings" panose="05000000000000000000" pitchFamily="2" charset="2"/>
-              <a:buChar char="l"/>
-            </a:pPr>
-            <a:r>
-              <a:rPr lang="en-US" altLang="zh-CN" b="1" dirty="0" smtClean="0"/>
-              <a:t>AngularJS</a:t>
-            </a:r>
-          </a:p>
-          <a:p>
-            <a:pPr>
-              <a:buFont typeface="Wingdings" panose="05000000000000000000" pitchFamily="2" charset="2"/>
-              <a:buChar char="l"/>
-            </a:pPr>
-            <a:r>
-              <a:rPr lang="en-US" altLang="zh-CN" b="1" dirty="0" smtClean="0"/>
-              <a:t>Bootstrap</a:t>
-            </a:r>
-          </a:p>
-          <a:p>
-            <a:pPr>
-              <a:buFont typeface="Wingdings" panose="05000000000000000000" pitchFamily="2" charset="2"/>
-              <a:buChar char="l"/>
-            </a:pPr>
-            <a:r>
-              <a:rPr lang="en-US" altLang="zh-CN" b="1" dirty="0" smtClean="0"/>
-              <a:t>Sass</a:t>
-            </a:r>
-          </a:p>
-          <a:p>
-            <a:pPr>
-              <a:buFont typeface="Wingdings" panose="05000000000000000000" pitchFamily="2" charset="2"/>
-              <a:buChar char="l"/>
-            </a:pPr>
-            <a:r>
-              <a:rPr lang="en-US" altLang="zh-CN" dirty="0" smtClean="0"/>
-              <a:t>Gulp</a:t>
-            </a:r>
-          </a:p>
-          <a:p>
-            <a:pPr>
-              <a:buFont typeface="Wingdings" panose="05000000000000000000" pitchFamily="2" charset="2"/>
-              <a:buChar char="l"/>
-            </a:pPr>
-            <a:r>
-              <a:rPr lang="en-US" altLang="zh-CN" dirty="0" err="1" smtClean="0"/>
-              <a:t>Npm</a:t>
-            </a:r>
-            <a:endParaRPr lang="en-US" altLang="zh-CN" dirty="0" smtClean="0"/>
-          </a:p>
-          <a:p>
-            <a:pPr>
-              <a:buFont typeface="Wingdings" panose="05000000000000000000" pitchFamily="2" charset="2"/>
-              <a:buChar char="l"/>
-            </a:pPr>
-            <a:endParaRPr lang="zh-CN" altLang="en-US" dirty="0"/>
-          </a:p>
-        </p:txBody>
-      </p:sp>
-    </p:spTree>
-    <p:extLst>
-      <p:ext uri="{BB962C8B-B14F-4D97-AF65-F5344CB8AC3E}">
-        <p14:creationId xmlns:p14="http://schemas.microsoft.com/office/powerpoint/2010/main" val="2704996695"/>
-      </p:ext>
-    </p:extLst>
-  </p:cSld>
-  <p:clrMapOvr>
-    <a:masterClrMapping/>
-  </p:clrMapOvr>
-  <p:timing>
-    <p:tnLst>
-      <p:par>
-        <p:cTn id="1" dur="indefinite" restart="never" nodeType="tmRoot"/>
-      </p:par>
-    </p:tnLst>
-  </p:timing>
-</p:sld>
-</file>
-
-<file path=ppt/slides/slide6.xml><?xml version="1.0" encoding="utf-8"?>
-<p:sld xmlns:a="http://schemas.openxmlformats.org/drawingml/2006/main" xmlns:r="http://schemas.openxmlformats.org/officeDocument/2006/relationships" xmlns:p="http://schemas.openxmlformats.org/presentationml/2006/main">
-  <p:cSld>
-    <p:spTree>
-      <p:nvGrpSpPr>
-        <p:cNvPr id="1" name=""/>
-        <p:cNvGrpSpPr/>
-        <p:nvPr/>
-      </p:nvGrpSpPr>
-      <p:grpSpPr>
-        <a:xfrm>
-          <a:off x="0" y="0"/>
-          <a:ext cx="0" cy="0"/>
-          <a:chOff x="0" y="0"/>
-          <a:chExt cx="0" cy="0"/>
-        </a:xfrm>
-      </p:grpSpPr>
-      <p:sp>
-        <p:nvSpPr>
-          <p:cNvPr id="2" name="标题 1"/>
-          <p:cNvSpPr>
-            <a:spLocks noGrp="1"/>
-          </p:cNvSpPr>
-          <p:nvPr>
-            <p:ph type="title"/>
-          </p:nvPr>
-        </p:nvSpPr>
-        <p:spPr/>
-        <p:txBody>
-          <a:bodyPr/>
-          <a:lstStyle/>
-          <a:p>
-            <a:r>
-              <a:rPr lang="en-US" altLang="zh-CN" dirty="0" smtClean="0"/>
-              <a:t>Zen coding</a:t>
-            </a:r>
-            <a:endParaRPr lang="en-US" altLang="zh-CN" dirty="0"/>
-          </a:p>
-        </p:txBody>
-      </p:sp>
-      <p:sp>
-        <p:nvSpPr>
-          <p:cNvPr id="3" name="内容占位符 2"/>
-          <p:cNvSpPr>
-            <a:spLocks noGrp="1"/>
-          </p:cNvSpPr>
-          <p:nvPr>
-            <p:ph idx="1"/>
-          </p:nvPr>
-        </p:nvSpPr>
-        <p:spPr/>
-        <p:txBody>
-          <a:bodyPr/>
-          <a:lstStyle/>
-          <a:p>
-            <a:pPr>
-              <a:buFont typeface="Wingdings" panose="05000000000000000000" pitchFamily="2" charset="2"/>
-              <a:buChar char="l"/>
-            </a:pPr>
-            <a:r>
-              <a:rPr lang="zh-CN" altLang="en-US" sz="2800" dirty="0"/>
-              <a:t>使用仿</a:t>
-            </a:r>
-            <a:r>
-              <a:rPr lang="en-US" altLang="zh-CN" sz="2800" dirty="0"/>
-              <a:t>CSS</a:t>
-            </a:r>
-            <a:r>
-              <a:rPr lang="zh-CN" altLang="en-US" sz="2800" dirty="0"/>
-              <a:t>选择器的语法来快速开发</a:t>
-            </a:r>
-            <a:r>
-              <a:rPr lang="en-US" altLang="zh-CN" sz="2800" dirty="0"/>
-              <a:t>HTML</a:t>
-            </a:r>
-            <a:r>
-              <a:rPr lang="zh-CN" altLang="en-US" sz="2800" dirty="0"/>
-              <a:t>和</a:t>
-            </a:r>
-            <a:r>
-              <a:rPr lang="en-US" altLang="zh-CN" sz="2800" dirty="0" smtClean="0"/>
-              <a:t>CSS</a:t>
-            </a:r>
-          </a:p>
-          <a:p>
-            <a:pPr>
-              <a:buFont typeface="Wingdings" panose="05000000000000000000" pitchFamily="2" charset="2"/>
-              <a:buChar char="l"/>
-            </a:pPr>
-            <a:endParaRPr lang="zh-CN" altLang="en-US" dirty="0"/>
-          </a:p>
-        </p:txBody>
-      </p:sp>
-      <p:pic>
-        <p:nvPicPr>
-          <p:cNvPr id="4" name="图片 3"/>
-          <p:cNvPicPr>
-            <a:picLocks noChangeAspect="1"/>
-          </p:cNvPicPr>
-          <p:nvPr/>
-        </p:nvPicPr>
-        <p:blipFill>
-          <a:blip r:embed="rId2"/>
-          <a:stretch>
-            <a:fillRect/>
-          </a:stretch>
-        </p:blipFill>
-        <p:spPr>
-          <a:xfrm>
-            <a:off x="1110343" y="2253598"/>
-            <a:ext cx="5439534" cy="4153480"/>
-          </a:xfrm>
-          <a:prstGeom prst="rect">
-            <a:avLst/>
-          </a:prstGeom>
-        </p:spPr>
-      </p:pic>
-      <p:sp>
-        <p:nvSpPr>
-          <p:cNvPr id="5" name="文本框 4"/>
-          <p:cNvSpPr txBox="1"/>
-          <p:nvPr/>
-        </p:nvSpPr>
-        <p:spPr>
-          <a:xfrm>
-            <a:off x="6858000" y="3709851"/>
-            <a:ext cx="3984171" cy="461665"/>
-          </a:xfrm>
-          <a:prstGeom prst="rect">
-            <a:avLst/>
-          </a:prstGeom>
-          <a:noFill/>
-        </p:spPr>
-        <p:txBody>
-          <a:bodyPr wrap="square" rtlCol="0">
-            <a:spAutoFit/>
-          </a:bodyPr>
-          <a:lstStyle/>
-          <a:p>
-            <a:r>
-              <a:rPr lang="en-US" altLang="zh-CN" sz="2400" b="1" dirty="0" smtClean="0"/>
-              <a:t>Sublime</a:t>
-            </a:r>
-            <a:r>
-              <a:rPr lang="zh-CN" altLang="en-US" sz="2400" b="1" dirty="0" smtClean="0"/>
-              <a:t>上安装</a:t>
-            </a:r>
-            <a:r>
-              <a:rPr lang="en-US" altLang="zh-CN" sz="2400" b="1" dirty="0" smtClean="0"/>
-              <a:t>Emmet</a:t>
-            </a:r>
-            <a:r>
-              <a:rPr lang="zh-CN" altLang="en-US" sz="2400" b="1" dirty="0" smtClean="0"/>
-              <a:t>插件</a:t>
-            </a:r>
-            <a:endParaRPr lang="zh-CN" altLang="en-US" sz="2400" b="1" dirty="0"/>
-          </a:p>
-        </p:txBody>
-      </p:sp>
-    </p:spTree>
-    <p:extLst>
-      <p:ext uri="{BB962C8B-B14F-4D97-AF65-F5344CB8AC3E}">
-        <p14:creationId xmlns:p14="http://schemas.microsoft.com/office/powerpoint/2010/main" val="3137154673"/>
-      </p:ext>
-    </p:extLst>
-  </p:cSld>
-  <p:clrMapOvr>
-    <a:masterClrMapping/>
-  </p:clrMapOvr>
-  <p:timing>
-    <p:tnLst>
-      <p:par>
-        <p:cTn id="1" dur="indefinite" restart="never" nodeType="tmRoot"/>
-      </p:par>
-    </p:tnLst>
-  </p:timing>
-</p:sld>
-</file>
-
-<file path=ppt/slides/slide7.xml><?xml version="1.0" encoding="utf-8"?>
-<p:sld xmlns:a="http://schemas.openxmlformats.org/drawingml/2006/main" xmlns:r="http://schemas.openxmlformats.org/officeDocument/2006/relationships" xmlns:p="http://schemas.openxmlformats.org/presentationml/2006/main">
-  <p:cSld>
-    <p:spTree>
-      <p:nvGrpSpPr>
-        <p:cNvPr id="1" name=""/>
-        <p:cNvGrpSpPr/>
-        <p:nvPr/>
-      </p:nvGrpSpPr>
-      <p:grpSpPr>
-        <a:xfrm>
-          <a:off x="0" y="0"/>
-          <a:ext cx="0" cy="0"/>
-          <a:chOff x="0" y="0"/>
-          <a:chExt cx="0" cy="0"/>
-        </a:xfrm>
-      </p:grpSpPr>
-      <p:sp>
-        <p:nvSpPr>
-          <p:cNvPr id="2" name="标题 1"/>
-          <p:cNvSpPr>
-            <a:spLocks noGrp="1"/>
-          </p:cNvSpPr>
-          <p:nvPr>
-            <p:ph type="title"/>
-          </p:nvPr>
-        </p:nvSpPr>
-        <p:spPr/>
-        <p:txBody>
-          <a:bodyPr/>
-          <a:lstStyle/>
-          <a:p>
-            <a:r>
-              <a:rPr lang="en-US" altLang="zh-CN" dirty="0" smtClean="0"/>
-              <a:t>sass</a:t>
-            </a:r>
-            <a:endParaRPr lang="zh-CN" altLang="en-US" dirty="0"/>
-          </a:p>
-        </p:txBody>
-      </p:sp>
-      <p:sp>
-        <p:nvSpPr>
-          <p:cNvPr id="3" name="内容占位符 2"/>
-          <p:cNvSpPr>
-            <a:spLocks noGrp="1"/>
-          </p:cNvSpPr>
-          <p:nvPr>
-            <p:ph idx="1"/>
-          </p:nvPr>
-        </p:nvSpPr>
-        <p:spPr>
-          <a:xfrm>
-            <a:off x="1097280" y="1932819"/>
-            <a:ext cx="10058400" cy="4023360"/>
-          </a:xfrm>
-        </p:spPr>
-        <p:txBody>
-          <a:bodyPr>
-            <a:normAutofit/>
-          </a:bodyPr>
-          <a:lstStyle/>
-          <a:p>
-            <a:r>
-              <a:rPr lang="en-US" altLang="zh-CN" dirty="0"/>
-              <a:t>Sass </a:t>
-            </a:r>
-            <a:r>
-              <a:rPr lang="zh-CN" altLang="en-US" dirty="0"/>
-              <a:t>扩展了 </a:t>
-            </a:r>
-            <a:r>
-              <a:rPr lang="en-US" altLang="zh-CN" dirty="0"/>
-              <a:t>CSS3</a:t>
-            </a:r>
-            <a:r>
-              <a:rPr lang="zh-CN" altLang="en-US" dirty="0"/>
-              <a:t>，增加了规则、</a:t>
-            </a:r>
-            <a:r>
-              <a:rPr lang="zh-CN" altLang="en-US" b="1" dirty="0"/>
-              <a:t>变量</a:t>
-            </a:r>
-            <a:r>
-              <a:rPr lang="zh-CN" altLang="en-US" dirty="0"/>
-              <a:t>、混入、选择器、继承等等特性</a:t>
-            </a:r>
-            <a:r>
-              <a:rPr lang="zh-CN" altLang="en-US" dirty="0" smtClean="0"/>
-              <a:t>。</a:t>
-            </a:r>
-            <a:endParaRPr lang="en-US" altLang="zh-CN" dirty="0" smtClean="0"/>
-          </a:p>
-          <a:p>
-            <a:r>
-              <a:rPr lang="en-US" altLang="zh-CN" dirty="0" smtClean="0"/>
-              <a:t>Sass </a:t>
-            </a:r>
-            <a:r>
-              <a:rPr lang="zh-CN" altLang="en-US" dirty="0"/>
-              <a:t>生成良好格式化的 </a:t>
-            </a:r>
-            <a:r>
-              <a:rPr lang="en-US" altLang="zh-CN" dirty="0"/>
-              <a:t>CSS </a:t>
-            </a:r>
-            <a:r>
-              <a:rPr lang="zh-CN" altLang="en-US" dirty="0"/>
-              <a:t>代码，易于组织和维护</a:t>
-            </a:r>
-            <a:r>
-              <a:rPr lang="zh-CN" altLang="en-US" dirty="0" smtClean="0"/>
-              <a:t>。</a:t>
-            </a:r>
-            <a:endParaRPr lang="en-US" altLang="zh-CN" dirty="0" smtClean="0"/>
-          </a:p>
-          <a:p>
-            <a:endParaRPr lang="en-US" altLang="zh-CN" dirty="0"/>
-          </a:p>
-          <a:p>
-            <a:endParaRPr lang="en-US" altLang="zh-CN" dirty="0" smtClean="0"/>
-          </a:p>
-          <a:p>
-            <a:endParaRPr lang="en-US" altLang="zh-CN" dirty="0"/>
-          </a:p>
-          <a:p>
-            <a:endParaRPr lang="en-US" altLang="zh-CN" dirty="0" smtClean="0"/>
-          </a:p>
-          <a:p>
-            <a:r>
-              <a:rPr lang="zh-CN" altLang="en-US" dirty="0" smtClean="0"/>
-              <a:t>参考：</a:t>
-            </a:r>
-            <a:endParaRPr lang="en-US" altLang="zh-CN" dirty="0" smtClean="0"/>
-          </a:p>
-          <a:p>
-            <a:r>
-              <a:rPr lang="en-US" altLang="zh-CN" sz="3200" dirty="0"/>
-              <a:t>http://www.w3cplus.com/sassguide/</a:t>
-            </a:r>
-            <a:endParaRPr lang="zh-CN" altLang="en-US" sz="3200" dirty="0"/>
-          </a:p>
-        </p:txBody>
-      </p:sp>
-    </p:spTree>
-    <p:extLst>
-      <p:ext uri="{BB962C8B-B14F-4D97-AF65-F5344CB8AC3E}">
-        <p14:creationId xmlns:p14="http://schemas.microsoft.com/office/powerpoint/2010/main" val="2658060181"/>
-      </p:ext>
-    </p:extLst>
-  </p:cSld>
-  <p:clrMapOvr>
-    <a:masterClrMapping/>
-  </p:clrMapOvr>
-  <p:timing>
-    <p:tnLst>
-      <p:par>
-        <p:cTn id="1" dur="indefinite" restart="never" nodeType="tmRoot"/>
-      </p:par>
-    </p:tnLst>
-  </p:timing>
-</p:sld>
-</file>
-
-<file path=ppt/slides/slide8.xml><?xml version="1.0" encoding="utf-8"?>
-<p:sld xmlns:a="http://schemas.openxmlformats.org/drawingml/2006/main" xmlns:r="http://schemas.openxmlformats.org/officeDocument/2006/relationships" xmlns:p="http://schemas.openxmlformats.org/presentationml/2006/main">
-  <p:cSld>
-    <p:spTree>
-      <p:nvGrpSpPr>
-        <p:cNvPr id="1" name=""/>
-        <p:cNvGrpSpPr/>
-        <p:nvPr/>
-      </p:nvGrpSpPr>
-      <p:grpSpPr>
-        <a:xfrm>
-          <a:off x="0" y="0"/>
-          <a:ext cx="0" cy="0"/>
-          <a:chOff x="0" y="0"/>
-          <a:chExt cx="0" cy="0"/>
-        </a:xfrm>
-      </p:grpSpPr>
-      <p:sp>
-        <p:nvSpPr>
-          <p:cNvPr id="2" name="标题 1"/>
-          <p:cNvSpPr>
-            <a:spLocks noGrp="1"/>
-          </p:cNvSpPr>
-          <p:nvPr>
-            <p:ph type="title"/>
-          </p:nvPr>
-        </p:nvSpPr>
-        <p:spPr/>
-        <p:txBody>
-          <a:bodyPr/>
-          <a:lstStyle/>
-          <a:p>
-            <a:r>
-              <a:rPr lang="en-US" altLang="zh-CN" dirty="0" smtClean="0"/>
-              <a:t>gulp</a:t>
-            </a:r>
-            <a:endParaRPr lang="zh-CN" altLang="en-US" dirty="0"/>
-          </a:p>
-        </p:txBody>
-      </p:sp>
-      <p:sp>
-        <p:nvSpPr>
-          <p:cNvPr id="3" name="内容占位符 2"/>
-          <p:cNvSpPr>
-            <a:spLocks noGrp="1"/>
-          </p:cNvSpPr>
-          <p:nvPr>
-            <p:ph idx="1"/>
-          </p:nvPr>
-        </p:nvSpPr>
-        <p:spPr>
-          <a:xfrm>
-            <a:off x="1097280" y="1932819"/>
-            <a:ext cx="10058400" cy="4023360"/>
-          </a:xfrm>
-        </p:spPr>
-        <p:txBody>
-          <a:bodyPr>
-            <a:normAutofit/>
-          </a:bodyPr>
-          <a:lstStyle/>
-          <a:p>
-            <a:r>
-              <a:rPr lang="en-US" altLang="zh-CN" dirty="0"/>
-              <a:t>Gulp.js </a:t>
-            </a:r>
-            <a:r>
-              <a:rPr lang="zh-CN" altLang="en-US" dirty="0"/>
-              <a:t>是一个自动化构建工具</a:t>
-            </a:r>
-            <a:r>
-              <a:rPr lang="en-US" altLang="zh-CN" dirty="0"/>
-              <a:t>,</a:t>
-            </a:r>
-            <a:r>
-              <a:rPr lang="zh-CN" altLang="en-US" dirty="0"/>
-              <a:t>开发者可以使用它在项目开发过程中自动执行常见任务</a:t>
-            </a:r>
-            <a:r>
-              <a:rPr lang="zh-CN" altLang="en-US" dirty="0" smtClean="0"/>
-              <a:t>。</a:t>
-            </a:r>
-            <a:endParaRPr lang="en-US" altLang="zh-CN" dirty="0" smtClean="0"/>
-          </a:p>
-          <a:p>
-            <a:pPr marL="0" indent="0">
-              <a:buNone/>
-            </a:pPr>
-            <a:r>
-              <a:rPr lang="zh-CN" altLang="en-US" dirty="0"/>
-              <a:t>本次项目</a:t>
-            </a:r>
-            <a:r>
-              <a:rPr lang="zh-CN" altLang="en-US" dirty="0" smtClean="0"/>
-              <a:t>中，使用</a:t>
-            </a:r>
-            <a:r>
-              <a:rPr lang="en-US" altLang="zh-CN" dirty="0" smtClean="0"/>
-              <a:t>gulp</a:t>
-            </a:r>
-            <a:r>
-              <a:rPr lang="zh-CN" altLang="en-US" dirty="0" smtClean="0"/>
-              <a:t>监视</a:t>
-            </a:r>
-            <a:r>
-              <a:rPr lang="en-US" altLang="zh-CN" dirty="0" smtClean="0"/>
-              <a:t>HTML</a:t>
-            </a:r>
-            <a:r>
-              <a:rPr lang="zh-CN" altLang="en-US" dirty="0" smtClean="0"/>
-              <a:t>、</a:t>
-            </a:r>
-            <a:r>
-              <a:rPr lang="en-US" altLang="zh-CN" dirty="0" smtClean="0"/>
-              <a:t>Sass</a:t>
-            </a:r>
-            <a:r>
-              <a:rPr lang="zh-CN" altLang="en-US" dirty="0" smtClean="0"/>
-              <a:t>、</a:t>
-            </a:r>
-            <a:r>
-              <a:rPr lang="en-US" altLang="zh-CN" dirty="0" err="1" smtClean="0"/>
-              <a:t>js</a:t>
-            </a:r>
-            <a:r>
-              <a:rPr lang="zh-CN" altLang="en-US" dirty="0" smtClean="0"/>
-              <a:t>文件变化，自动刷新浏览器。</a:t>
-            </a:r>
-            <a:endParaRPr lang="en-US" altLang="zh-CN" dirty="0" smtClean="0"/>
-          </a:p>
-          <a:p>
-            <a:pPr marL="0" indent="0">
-              <a:buNone/>
-            </a:pPr>
-            <a:r>
-              <a:rPr lang="zh-CN" altLang="en-US" dirty="0" smtClean="0"/>
-              <a:t>其他任务：代码打包、合并、压缩等。</a:t>
-            </a:r>
-            <a:endParaRPr lang="en-US" altLang="zh-CN" dirty="0"/>
-          </a:p>
-          <a:p>
-            <a:endParaRPr lang="en-US" altLang="zh-CN" dirty="0" smtClean="0"/>
-          </a:p>
-          <a:p>
-            <a:endParaRPr lang="en-US" altLang="zh-CN" dirty="0"/>
-          </a:p>
-          <a:p>
-            <a:pPr marL="0" indent="0">
-              <a:buNone/>
-            </a:pPr>
-            <a:endParaRPr lang="en-US" altLang="zh-CN" dirty="0" smtClean="0"/>
-          </a:p>
-          <a:p>
-            <a:r>
-              <a:rPr lang="zh-CN" altLang="en-US" dirty="0" smtClean="0"/>
-              <a:t>参考：</a:t>
-            </a:r>
-            <a:endParaRPr lang="en-US" altLang="zh-CN" dirty="0" smtClean="0"/>
-          </a:p>
-          <a:p>
-            <a:r>
-              <a:rPr lang="en-US" altLang="zh-CN" sz="3200" dirty="0"/>
-              <a:t>http://www.w3cplus.com/sassguide/</a:t>
-            </a:r>
-            <a:endParaRPr lang="zh-CN" altLang="en-US" sz="3200" dirty="0"/>
-          </a:p>
-        </p:txBody>
-      </p:sp>
-    </p:spTree>
-    <p:extLst>
-      <p:ext uri="{BB962C8B-B14F-4D97-AF65-F5344CB8AC3E}">
-        <p14:creationId xmlns:p14="http://schemas.microsoft.com/office/powerpoint/2010/main" val="3536303183"/>
-      </p:ext>
-    </p:extLst>
-  </p:cSld>
-  <p:clrMapOvr>
-    <a:masterClrMapping/>
-  </p:clrMapOvr>
-  <p:timing>
-    <p:tnLst>
-      <p:par>
-        <p:cTn id="1" dur="indefinite" restart="never" nodeType="tmRoot"/>
-      </p:par>
-    </p:tnLst>
-  </p:timing>
-</p:sld>
-</file>
-
-<file path=ppt/slides/slide9.xml><?xml version="1.0" encoding="utf-8"?>
 <p:sld xmlns:a="http://schemas.openxmlformats.org/drawingml/2006/main" xmlns:r="http://schemas.openxmlformats.org/officeDocument/2006/relationships" xmlns:p="http://schemas.openxmlformats.org/presentationml/2006/main">
   <p:cSld>
     <p:spTree>
@@ -6283,6 +5299,1004 @@
   <p:clrMapOvr>
     <a:masterClrMapping/>
   </p:clrMapOvr>
+  <p:timing>
+    <p:tnLst>
+      <p:par>
+        <p:cTn id="1" dur="indefinite" restart="never" nodeType="tmRoot"/>
+      </p:par>
+    </p:tnLst>
+  </p:timing>
+</p:sld>
+</file>
+
+<file path=ppt/slides/slide5.xml><?xml version="1.0" encoding="utf-8"?>
+<p:sld xmlns:a="http://schemas.openxmlformats.org/drawingml/2006/main" xmlns:r="http://schemas.openxmlformats.org/officeDocument/2006/relationships" xmlns:p="http://schemas.openxmlformats.org/presentationml/2006/main">
+  <p:cSld>
+    <p:spTree>
+      <p:nvGrpSpPr>
+        <p:cNvPr id="1" name=""/>
+        <p:cNvGrpSpPr/>
+        <p:nvPr/>
+      </p:nvGrpSpPr>
+      <p:grpSpPr>
+        <a:xfrm>
+          <a:off x="0" y="0"/>
+          <a:ext cx="0" cy="0"/>
+          <a:chOff x="0" y="0"/>
+          <a:chExt cx="0" cy="0"/>
+        </a:xfrm>
+      </p:grpSpPr>
+      <p:sp>
+        <p:nvSpPr>
+          <p:cNvPr id="2" name="标题 1"/>
+          <p:cNvSpPr>
+            <a:spLocks noGrp="1"/>
+          </p:cNvSpPr>
+          <p:nvPr>
+            <p:ph type="title"/>
+          </p:nvPr>
+        </p:nvSpPr>
+        <p:spPr/>
+        <p:txBody>
+          <a:bodyPr/>
+          <a:lstStyle/>
+          <a:p>
+            <a:r>
+              <a:rPr lang="en-US" altLang="zh-CN" dirty="0" err="1" smtClean="0"/>
+              <a:t>Package.json</a:t>
+            </a:r>
+            <a:endParaRPr lang="zh-CN" altLang="en-US" dirty="0"/>
+          </a:p>
+        </p:txBody>
+      </p:sp>
+      <p:sp>
+        <p:nvSpPr>
+          <p:cNvPr id="3" name="内容占位符 2"/>
+          <p:cNvSpPr>
+            <a:spLocks noGrp="1"/>
+          </p:cNvSpPr>
+          <p:nvPr>
+            <p:ph idx="1"/>
+          </p:nvPr>
+        </p:nvSpPr>
+        <p:spPr/>
+        <p:txBody>
+          <a:bodyPr>
+            <a:normAutofit/>
+          </a:bodyPr>
+          <a:lstStyle/>
+          <a:p>
+            <a:pPr>
+              <a:buFont typeface="Wingdings" panose="05000000000000000000" pitchFamily="2" charset="2"/>
+              <a:buChar char="l"/>
+            </a:pPr>
+            <a:r>
+              <a:rPr lang="zh-CN" altLang="en-US" sz="3200" dirty="0" smtClean="0"/>
+              <a:t>保存项目基础配置信息</a:t>
+            </a:r>
+            <a:endParaRPr lang="en-US" altLang="zh-CN" sz="3200" dirty="0" smtClean="0"/>
+          </a:p>
+          <a:p>
+            <a:pPr>
+              <a:buFont typeface="Wingdings" panose="05000000000000000000" pitchFamily="2" charset="2"/>
+              <a:buChar char="l"/>
+            </a:pPr>
+            <a:r>
+              <a:rPr lang="zh-CN" altLang="en-US" sz="3200" dirty="0"/>
+              <a:t>说</a:t>
+            </a:r>
+            <a:r>
+              <a:rPr lang="zh-CN" altLang="en-US" sz="3200" dirty="0" smtClean="0"/>
+              <a:t>明了项目开发过程以及代码运行时的对包依赖关系</a:t>
+            </a:r>
+            <a:endParaRPr lang="en-US" altLang="zh-CN" sz="3200" dirty="0" smtClean="0"/>
+          </a:p>
+          <a:p>
+            <a:pPr>
+              <a:buFont typeface="Wingdings" panose="05000000000000000000" pitchFamily="2" charset="2"/>
+              <a:buChar char="l"/>
+            </a:pPr>
+            <a:r>
+              <a:rPr lang="zh-CN" altLang="en-US" sz="3200" dirty="0"/>
+              <a:t>对</a:t>
+            </a:r>
+            <a:r>
+              <a:rPr lang="zh-CN" altLang="en-US" sz="3200" dirty="0" smtClean="0"/>
+              <a:t>包的版本控制</a:t>
+            </a:r>
+            <a:endParaRPr lang="en-US" altLang="zh-CN" sz="3200" dirty="0" smtClean="0"/>
+          </a:p>
+        </p:txBody>
+      </p:sp>
+    </p:spTree>
+    <p:extLst>
+      <p:ext uri="{BB962C8B-B14F-4D97-AF65-F5344CB8AC3E}">
+        <p14:creationId xmlns:p14="http://schemas.microsoft.com/office/powerpoint/2010/main" val="2775257873"/>
+      </p:ext>
+    </p:extLst>
+  </p:cSld>
+  <p:clrMapOvr>
+    <a:masterClrMapping/>
+  </p:clrMapOvr>
+  <p:timing>
+    <p:tnLst>
+      <p:par>
+        <p:cTn id="1" dur="indefinite" restart="never" nodeType="tmRoot"/>
+      </p:par>
+    </p:tnLst>
+  </p:timing>
+</p:sld>
+</file>
+
+<file path=ppt/slides/slide6.xml><?xml version="1.0" encoding="utf-8"?>
+<p:sld xmlns:a="http://schemas.openxmlformats.org/drawingml/2006/main" xmlns:r="http://schemas.openxmlformats.org/officeDocument/2006/relationships" xmlns:p="http://schemas.openxmlformats.org/presentationml/2006/main">
+  <p:cSld>
+    <p:spTree>
+      <p:nvGrpSpPr>
+        <p:cNvPr id="1" name=""/>
+        <p:cNvGrpSpPr/>
+        <p:nvPr/>
+      </p:nvGrpSpPr>
+      <p:grpSpPr>
+        <a:xfrm>
+          <a:off x="0" y="0"/>
+          <a:ext cx="0" cy="0"/>
+          <a:chOff x="0" y="0"/>
+          <a:chExt cx="0" cy="0"/>
+        </a:xfrm>
+      </p:grpSpPr>
+      <p:sp>
+        <p:nvSpPr>
+          <p:cNvPr id="2" name="标题 1"/>
+          <p:cNvSpPr>
+            <a:spLocks noGrp="1"/>
+          </p:cNvSpPr>
+          <p:nvPr>
+            <p:ph type="title"/>
+          </p:nvPr>
+        </p:nvSpPr>
+        <p:spPr/>
+        <p:txBody>
+          <a:bodyPr/>
+          <a:lstStyle/>
+          <a:p>
+            <a:r>
+              <a:rPr lang="en-US" altLang="zh-CN" dirty="0" err="1" smtClean="0"/>
+              <a:t>Package.json</a:t>
+            </a:r>
+            <a:endParaRPr lang="zh-CN" altLang="en-US" dirty="0"/>
+          </a:p>
+        </p:txBody>
+      </p:sp>
+      <p:sp>
+        <p:nvSpPr>
+          <p:cNvPr id="3" name="内容占位符 2"/>
+          <p:cNvSpPr>
+            <a:spLocks noGrp="1"/>
+          </p:cNvSpPr>
+          <p:nvPr>
+            <p:ph idx="1"/>
+          </p:nvPr>
+        </p:nvSpPr>
+        <p:spPr>
+          <a:xfrm>
+            <a:off x="1097280" y="1845734"/>
+            <a:ext cx="10724606" cy="4023360"/>
+          </a:xfrm>
+        </p:spPr>
+        <p:txBody>
+          <a:bodyPr>
+            <a:normAutofit lnSpcReduction="10000"/>
+          </a:bodyPr>
+          <a:lstStyle/>
+          <a:p>
+            <a:r>
+              <a:rPr lang="en-US" altLang="zh-CN" sz="3200" dirty="0"/>
+              <a:t>1</a:t>
+            </a:r>
+            <a:r>
+              <a:rPr lang="zh-CN" altLang="en-US" sz="3200" dirty="0"/>
+              <a:t>、在项目根目录下执行</a:t>
+            </a:r>
+            <a:r>
+              <a:rPr lang="en-US" altLang="zh-CN" sz="3200" dirty="0" err="1"/>
+              <a:t>npm</a:t>
+            </a:r>
+            <a:r>
+              <a:rPr lang="en-US" altLang="zh-CN" sz="3200" dirty="0"/>
+              <a:t> </a:t>
+            </a:r>
+            <a:r>
+              <a:rPr lang="en-US" altLang="zh-CN" sz="3200" dirty="0" err="1"/>
+              <a:t>init</a:t>
+            </a:r>
+            <a:r>
+              <a:rPr lang="zh-CN" altLang="en-US" sz="3200" dirty="0" smtClean="0"/>
+              <a:t>命令初始化；</a:t>
+            </a:r>
+            <a:endParaRPr lang="en-US" altLang="zh-CN" sz="3200" dirty="0"/>
+          </a:p>
+          <a:p>
+            <a:r>
+              <a:rPr lang="en-US" altLang="zh-CN" sz="3200" dirty="0"/>
+              <a:t>2</a:t>
+            </a:r>
+            <a:r>
+              <a:rPr lang="zh-CN" altLang="en-US" sz="3200" dirty="0" smtClean="0"/>
+              <a:t>、开发过程中依赖的</a:t>
+            </a:r>
+            <a:r>
+              <a:rPr lang="zh-CN" altLang="en-US" sz="3200" dirty="0"/>
+              <a:t>包使用</a:t>
+            </a:r>
+            <a:r>
+              <a:rPr lang="en-US" altLang="zh-CN" sz="3200" dirty="0" err="1"/>
+              <a:t>npm</a:t>
+            </a:r>
+            <a:r>
+              <a:rPr lang="en-US" altLang="zh-CN" sz="3200" dirty="0"/>
+              <a:t> install *** --</a:t>
+            </a:r>
+            <a:r>
+              <a:rPr lang="en-US" altLang="zh-CN" sz="3200" dirty="0" smtClean="0"/>
+              <a:t>save-dev</a:t>
+            </a:r>
+            <a:r>
+              <a:rPr lang="zh-CN" altLang="en-US" sz="3200" dirty="0" smtClean="0"/>
+              <a:t>安装；</a:t>
+            </a:r>
+            <a:endParaRPr lang="en-US" altLang="zh-CN" sz="3200" dirty="0"/>
+          </a:p>
+          <a:p>
+            <a:r>
+              <a:rPr lang="en-US" altLang="zh-CN" sz="3200" dirty="0"/>
+              <a:t>3</a:t>
+            </a:r>
+            <a:r>
+              <a:rPr lang="zh-CN" altLang="en-US" sz="3200" dirty="0" smtClean="0"/>
+              <a:t>、运行</a:t>
+            </a:r>
+            <a:r>
+              <a:rPr lang="zh-CN" altLang="en-US" sz="3200" dirty="0"/>
+              <a:t>环境依赖的包使用</a:t>
+            </a:r>
+            <a:r>
+              <a:rPr lang="en-US" altLang="zh-CN" sz="3200" dirty="0" err="1"/>
+              <a:t>npm</a:t>
+            </a:r>
+            <a:r>
+              <a:rPr lang="en-US" altLang="zh-CN" sz="3200" dirty="0"/>
+              <a:t> install *** --</a:t>
+            </a:r>
+            <a:r>
+              <a:rPr lang="en-US" altLang="zh-CN" sz="3200" dirty="0" smtClean="0"/>
+              <a:t>save</a:t>
+            </a:r>
+            <a:r>
+              <a:rPr lang="zh-CN" altLang="en-US" sz="3200" dirty="0" smtClean="0"/>
+              <a:t>安装；</a:t>
+            </a:r>
+            <a:endParaRPr lang="en-US" altLang="zh-CN" sz="3200" dirty="0" smtClean="0"/>
+          </a:p>
+          <a:p>
+            <a:r>
+              <a:rPr lang="en-US" altLang="zh-CN" sz="3200" dirty="0" smtClean="0"/>
+              <a:t>4</a:t>
+            </a:r>
+            <a:r>
+              <a:rPr lang="zh-CN" altLang="en-US" sz="3200" dirty="0" smtClean="0"/>
+              <a:t>、迁移代码，使用</a:t>
+            </a:r>
+            <a:r>
+              <a:rPr lang="en-US" altLang="zh-CN" sz="3200" dirty="0" err="1" smtClean="0"/>
+              <a:t>npm</a:t>
+            </a:r>
+            <a:r>
+              <a:rPr lang="en-US" altLang="zh-CN" sz="3200" dirty="0" smtClean="0"/>
+              <a:t> install</a:t>
+            </a:r>
+            <a:r>
+              <a:rPr lang="zh-CN" altLang="en-US" sz="3200" dirty="0" smtClean="0"/>
+              <a:t>命令安装所有依赖。</a:t>
+            </a:r>
+            <a:endParaRPr lang="en-US" altLang="zh-CN" sz="3200" dirty="0"/>
+          </a:p>
+          <a:p>
+            <a:r>
+              <a:rPr lang="zh-CN" altLang="en-US" sz="3200" dirty="0" smtClean="0"/>
+              <a:t>附</a:t>
+            </a:r>
+            <a:r>
+              <a:rPr lang="zh-CN" altLang="en-US" sz="3200" dirty="0"/>
+              <a:t>：全局安装包：</a:t>
+            </a:r>
+            <a:r>
+              <a:rPr lang="en-US" altLang="zh-CN" sz="3200" dirty="0" err="1"/>
+              <a:t>npm</a:t>
+            </a:r>
+            <a:r>
+              <a:rPr lang="en-US" altLang="zh-CN" sz="3200" dirty="0"/>
+              <a:t> install *** -</a:t>
+            </a:r>
+            <a:r>
+              <a:rPr lang="en-US" altLang="zh-CN" sz="3200" dirty="0" smtClean="0"/>
+              <a:t>g</a:t>
+            </a:r>
+          </a:p>
+          <a:p>
+            <a:endParaRPr lang="en-US" altLang="zh-CN" sz="3200" dirty="0" smtClean="0"/>
+          </a:p>
+          <a:p>
+            <a:r>
+              <a:rPr lang="en-US" altLang="zh-CN" sz="2400" b="1" dirty="0" err="1" smtClean="0"/>
+              <a:t>Js</a:t>
+            </a:r>
+            <a:r>
+              <a:rPr lang="zh-CN" altLang="en-US" sz="2400" b="1" dirty="0" smtClean="0"/>
+              <a:t>管理后期会考虑使用</a:t>
+            </a:r>
+            <a:r>
+              <a:rPr lang="en-US" altLang="zh-CN" sz="2400" b="1" dirty="0" err="1" smtClean="0"/>
+              <a:t>requireJS</a:t>
+            </a:r>
+            <a:r>
+              <a:rPr lang="zh-CN" altLang="en-US" sz="2400" b="1" dirty="0" smtClean="0"/>
+              <a:t>、</a:t>
+            </a:r>
+            <a:r>
+              <a:rPr lang="en-US" altLang="zh-CN" sz="2400" b="1" dirty="0" smtClean="0"/>
+              <a:t>bower</a:t>
+            </a:r>
+            <a:endParaRPr lang="zh-CN" altLang="en-US" sz="2400" b="1" dirty="0"/>
+          </a:p>
+          <a:p>
+            <a:pPr>
+              <a:buFont typeface="Wingdings" panose="05000000000000000000" pitchFamily="2" charset="2"/>
+              <a:buChar char="l"/>
+            </a:pPr>
+            <a:endParaRPr lang="en-US" altLang="zh-CN" dirty="0" smtClean="0"/>
+          </a:p>
+        </p:txBody>
+      </p:sp>
+    </p:spTree>
+    <p:extLst>
+      <p:ext uri="{BB962C8B-B14F-4D97-AF65-F5344CB8AC3E}">
+        <p14:creationId xmlns:p14="http://schemas.microsoft.com/office/powerpoint/2010/main" val="3903074044"/>
+      </p:ext>
+    </p:extLst>
+  </p:cSld>
+  <p:clrMapOvr>
+    <a:masterClrMapping/>
+  </p:clrMapOvr>
+  <p:timing>
+    <p:tnLst>
+      <p:par>
+        <p:cTn id="1" dur="indefinite" restart="never" nodeType="tmRoot"/>
+      </p:par>
+    </p:tnLst>
+  </p:timing>
+</p:sld>
+</file>
+
+<file path=ppt/slides/slide7.xml><?xml version="1.0" encoding="utf-8"?>
+<p:sld xmlns:a="http://schemas.openxmlformats.org/drawingml/2006/main" xmlns:r="http://schemas.openxmlformats.org/officeDocument/2006/relationships" xmlns:p="http://schemas.openxmlformats.org/presentationml/2006/main">
+  <p:cSld>
+    <p:spTree>
+      <p:nvGrpSpPr>
+        <p:cNvPr id="1" name=""/>
+        <p:cNvGrpSpPr/>
+        <p:nvPr/>
+      </p:nvGrpSpPr>
+      <p:grpSpPr>
+        <a:xfrm>
+          <a:off x="0" y="0"/>
+          <a:ext cx="0" cy="0"/>
+          <a:chOff x="0" y="0"/>
+          <a:chExt cx="0" cy="0"/>
+        </a:xfrm>
+      </p:grpSpPr>
+      <p:sp>
+        <p:nvSpPr>
+          <p:cNvPr id="2" name="标题 1"/>
+          <p:cNvSpPr>
+            <a:spLocks noGrp="1"/>
+          </p:cNvSpPr>
+          <p:nvPr>
+            <p:ph type="title"/>
+          </p:nvPr>
+        </p:nvSpPr>
+        <p:spPr/>
+        <p:txBody>
+          <a:bodyPr/>
+          <a:lstStyle/>
+          <a:p>
+            <a:r>
+              <a:rPr lang="en-US" altLang="zh-CN" dirty="0" smtClean="0"/>
+              <a:t>Zen coding</a:t>
+            </a:r>
+            <a:endParaRPr lang="en-US" altLang="zh-CN" dirty="0"/>
+          </a:p>
+        </p:txBody>
+      </p:sp>
+      <p:sp>
+        <p:nvSpPr>
+          <p:cNvPr id="3" name="内容占位符 2"/>
+          <p:cNvSpPr>
+            <a:spLocks noGrp="1"/>
+          </p:cNvSpPr>
+          <p:nvPr>
+            <p:ph idx="1"/>
+          </p:nvPr>
+        </p:nvSpPr>
+        <p:spPr/>
+        <p:txBody>
+          <a:bodyPr/>
+          <a:lstStyle/>
+          <a:p>
+            <a:pPr>
+              <a:buFont typeface="Wingdings" panose="05000000000000000000" pitchFamily="2" charset="2"/>
+              <a:buChar char="l"/>
+            </a:pPr>
+            <a:r>
+              <a:rPr lang="zh-CN" altLang="en-US" sz="2800" dirty="0"/>
+              <a:t>使用仿</a:t>
+            </a:r>
+            <a:r>
+              <a:rPr lang="en-US" altLang="zh-CN" sz="2800" dirty="0"/>
+              <a:t>CSS</a:t>
+            </a:r>
+            <a:r>
+              <a:rPr lang="zh-CN" altLang="en-US" sz="2800" dirty="0"/>
+              <a:t>选择器的语法来快速开发</a:t>
+            </a:r>
+            <a:r>
+              <a:rPr lang="en-US" altLang="zh-CN" sz="2800" dirty="0"/>
+              <a:t>HTML</a:t>
+            </a:r>
+            <a:r>
+              <a:rPr lang="zh-CN" altLang="en-US" sz="2800" dirty="0"/>
+              <a:t>和</a:t>
+            </a:r>
+            <a:r>
+              <a:rPr lang="en-US" altLang="zh-CN" sz="2800" dirty="0" smtClean="0"/>
+              <a:t>CSS</a:t>
+            </a:r>
+          </a:p>
+          <a:p>
+            <a:pPr>
+              <a:buFont typeface="Wingdings" panose="05000000000000000000" pitchFamily="2" charset="2"/>
+              <a:buChar char="l"/>
+            </a:pPr>
+            <a:endParaRPr lang="zh-CN" altLang="en-US" dirty="0"/>
+          </a:p>
+        </p:txBody>
+      </p:sp>
+      <p:pic>
+        <p:nvPicPr>
+          <p:cNvPr id="4" name="图片 3"/>
+          <p:cNvPicPr>
+            <a:picLocks noChangeAspect="1"/>
+          </p:cNvPicPr>
+          <p:nvPr/>
+        </p:nvPicPr>
+        <p:blipFill>
+          <a:blip r:embed="rId2"/>
+          <a:stretch>
+            <a:fillRect/>
+          </a:stretch>
+        </p:blipFill>
+        <p:spPr>
+          <a:xfrm>
+            <a:off x="1110343" y="2253598"/>
+            <a:ext cx="5439534" cy="4153480"/>
+          </a:xfrm>
+          <a:prstGeom prst="rect">
+            <a:avLst/>
+          </a:prstGeom>
+        </p:spPr>
+      </p:pic>
+      <p:sp>
+        <p:nvSpPr>
+          <p:cNvPr id="5" name="文本框 4"/>
+          <p:cNvSpPr txBox="1"/>
+          <p:nvPr/>
+        </p:nvSpPr>
+        <p:spPr>
+          <a:xfrm>
+            <a:off x="6858000" y="3709851"/>
+            <a:ext cx="3984171" cy="461665"/>
+          </a:xfrm>
+          <a:prstGeom prst="rect">
+            <a:avLst/>
+          </a:prstGeom>
+          <a:noFill/>
+        </p:spPr>
+        <p:txBody>
+          <a:bodyPr wrap="square" rtlCol="0">
+            <a:spAutoFit/>
+          </a:bodyPr>
+          <a:lstStyle/>
+          <a:p>
+            <a:r>
+              <a:rPr lang="en-US" altLang="zh-CN" sz="2400" b="1" dirty="0" smtClean="0"/>
+              <a:t>Sublime</a:t>
+            </a:r>
+            <a:r>
+              <a:rPr lang="zh-CN" altLang="en-US" sz="2400" b="1" dirty="0" smtClean="0"/>
+              <a:t>上安装</a:t>
+            </a:r>
+            <a:r>
+              <a:rPr lang="en-US" altLang="zh-CN" sz="2400" b="1" dirty="0" smtClean="0"/>
+              <a:t>Emmet</a:t>
+            </a:r>
+            <a:r>
+              <a:rPr lang="zh-CN" altLang="en-US" sz="2400" b="1" dirty="0" smtClean="0"/>
+              <a:t>插件</a:t>
+            </a:r>
+            <a:endParaRPr lang="zh-CN" altLang="en-US" sz="2400" b="1" dirty="0"/>
+          </a:p>
+        </p:txBody>
+      </p:sp>
+    </p:spTree>
+    <p:extLst>
+      <p:ext uri="{BB962C8B-B14F-4D97-AF65-F5344CB8AC3E}">
+        <p14:creationId xmlns:p14="http://schemas.microsoft.com/office/powerpoint/2010/main" val="3137154673"/>
+      </p:ext>
+    </p:extLst>
+  </p:cSld>
+  <p:clrMapOvr>
+    <a:masterClrMapping/>
+  </p:clrMapOvr>
+  <p:timing>
+    <p:tnLst>
+      <p:par>
+        <p:cTn id="1" dur="indefinite" restart="never" nodeType="tmRoot"/>
+      </p:par>
+    </p:tnLst>
+  </p:timing>
+</p:sld>
+</file>
+
+<file path=ppt/slides/slide8.xml><?xml version="1.0" encoding="utf-8"?>
+<p:sld xmlns:a="http://schemas.openxmlformats.org/drawingml/2006/main" xmlns:r="http://schemas.openxmlformats.org/officeDocument/2006/relationships" xmlns:p="http://schemas.openxmlformats.org/presentationml/2006/main">
+  <p:cSld>
+    <p:spTree>
+      <p:nvGrpSpPr>
+        <p:cNvPr id="1" name=""/>
+        <p:cNvGrpSpPr/>
+        <p:nvPr/>
+      </p:nvGrpSpPr>
+      <p:grpSpPr>
+        <a:xfrm>
+          <a:off x="0" y="0"/>
+          <a:ext cx="0" cy="0"/>
+          <a:chOff x="0" y="0"/>
+          <a:chExt cx="0" cy="0"/>
+        </a:xfrm>
+      </p:grpSpPr>
+      <p:sp>
+        <p:nvSpPr>
+          <p:cNvPr id="2" name="标题 1"/>
+          <p:cNvSpPr>
+            <a:spLocks noGrp="1"/>
+          </p:cNvSpPr>
+          <p:nvPr>
+            <p:ph type="title"/>
+          </p:nvPr>
+        </p:nvSpPr>
+        <p:spPr/>
+        <p:txBody>
+          <a:bodyPr/>
+          <a:lstStyle/>
+          <a:p>
+            <a:r>
+              <a:rPr lang="en-US" altLang="zh-CN" dirty="0" smtClean="0"/>
+              <a:t>sass</a:t>
+            </a:r>
+            <a:endParaRPr lang="zh-CN" altLang="en-US" dirty="0"/>
+          </a:p>
+        </p:txBody>
+      </p:sp>
+      <p:sp>
+        <p:nvSpPr>
+          <p:cNvPr id="3" name="内容占位符 2"/>
+          <p:cNvSpPr>
+            <a:spLocks noGrp="1"/>
+          </p:cNvSpPr>
+          <p:nvPr>
+            <p:ph idx="1"/>
+          </p:nvPr>
+        </p:nvSpPr>
+        <p:spPr>
+          <a:xfrm>
+            <a:off x="1097280" y="1932819"/>
+            <a:ext cx="10058400" cy="4023360"/>
+          </a:xfrm>
+        </p:spPr>
+        <p:txBody>
+          <a:bodyPr>
+            <a:normAutofit/>
+          </a:bodyPr>
+          <a:lstStyle/>
+          <a:p>
+            <a:r>
+              <a:rPr lang="en-US" altLang="zh-CN" sz="2800" dirty="0"/>
+              <a:t>Sass </a:t>
+            </a:r>
+            <a:r>
+              <a:rPr lang="zh-CN" altLang="en-US" sz="2800" dirty="0"/>
+              <a:t>扩展了 </a:t>
+            </a:r>
+            <a:r>
+              <a:rPr lang="en-US" altLang="zh-CN" sz="2800" dirty="0"/>
+              <a:t>CSS3</a:t>
+            </a:r>
+            <a:r>
+              <a:rPr lang="zh-CN" altLang="en-US" sz="2800" dirty="0"/>
+              <a:t>，增加了规则、</a:t>
+            </a:r>
+            <a:r>
+              <a:rPr lang="zh-CN" altLang="en-US" sz="2800" b="1" dirty="0"/>
+              <a:t>变量</a:t>
+            </a:r>
+            <a:r>
+              <a:rPr lang="zh-CN" altLang="en-US" sz="2800" dirty="0" smtClean="0"/>
+              <a:t>、选择</a:t>
+            </a:r>
+            <a:r>
+              <a:rPr lang="zh-CN" altLang="en-US" sz="2800" dirty="0"/>
+              <a:t>器、继承等等特性</a:t>
+            </a:r>
+            <a:r>
+              <a:rPr lang="zh-CN" altLang="en-US" sz="2800" dirty="0" smtClean="0"/>
+              <a:t>。</a:t>
+            </a:r>
+            <a:endParaRPr lang="en-US" altLang="zh-CN" sz="2800" dirty="0" smtClean="0"/>
+          </a:p>
+          <a:p>
+            <a:r>
+              <a:rPr lang="en-US" altLang="zh-CN" sz="2800" dirty="0" smtClean="0"/>
+              <a:t>Sass </a:t>
+            </a:r>
+            <a:r>
+              <a:rPr lang="zh-CN" altLang="en-US" sz="2800" dirty="0"/>
+              <a:t>生成良好格式化的 </a:t>
+            </a:r>
+            <a:r>
+              <a:rPr lang="en-US" altLang="zh-CN" sz="2800" dirty="0"/>
+              <a:t>CSS </a:t>
+            </a:r>
+            <a:r>
+              <a:rPr lang="zh-CN" altLang="en-US" sz="2800" dirty="0"/>
+              <a:t>代码，易于组织和维护</a:t>
+            </a:r>
+            <a:r>
+              <a:rPr lang="zh-CN" altLang="en-US" sz="2800" dirty="0" smtClean="0"/>
+              <a:t>。</a:t>
+            </a:r>
+            <a:endParaRPr lang="en-US" altLang="zh-CN" sz="2800" dirty="0" smtClean="0"/>
+          </a:p>
+          <a:p>
+            <a:endParaRPr lang="en-US" altLang="zh-CN" dirty="0"/>
+          </a:p>
+          <a:p>
+            <a:endParaRPr lang="en-US" altLang="zh-CN" dirty="0" smtClean="0"/>
+          </a:p>
+          <a:p>
+            <a:r>
+              <a:rPr lang="en-US" altLang="zh-CN" dirty="0" smtClean="0"/>
+              <a:t> </a:t>
+            </a:r>
+            <a:endParaRPr lang="en-US" altLang="zh-CN" dirty="0"/>
+          </a:p>
+          <a:p>
+            <a:pPr marL="0" indent="0">
+              <a:buNone/>
+            </a:pPr>
+            <a:r>
+              <a:rPr lang="en-US" altLang="zh-CN" dirty="0"/>
+              <a:t> </a:t>
+            </a:r>
+            <a:r>
+              <a:rPr lang="en-US" altLang="zh-CN" dirty="0" smtClean="0"/>
+              <a:t>  </a:t>
+            </a:r>
+            <a:r>
+              <a:rPr lang="zh-CN" altLang="en-US" dirty="0" smtClean="0"/>
+              <a:t>注：</a:t>
+            </a:r>
+            <a:r>
+              <a:rPr lang="en-US" altLang="zh-CN" dirty="0" smtClean="0"/>
+              <a:t>sass</a:t>
+            </a:r>
+            <a:r>
+              <a:rPr lang="zh-CN" altLang="en-US" dirty="0" smtClean="0"/>
+              <a:t>编译依赖</a:t>
+            </a:r>
+            <a:r>
+              <a:rPr lang="en-US" altLang="zh-CN" dirty="0" smtClean="0"/>
+              <a:t>ruby</a:t>
+            </a:r>
+            <a:r>
+              <a:rPr lang="zh-CN" altLang="en-US" dirty="0" smtClean="0"/>
+              <a:t>环境，但不需要安装</a:t>
+            </a:r>
+            <a:r>
+              <a:rPr lang="en-US" altLang="zh-CN" dirty="0" smtClean="0"/>
+              <a:t>compass</a:t>
+            </a:r>
+            <a:r>
+              <a:rPr lang="zh-CN" altLang="en-US" dirty="0" smtClean="0"/>
+              <a:t>。</a:t>
+            </a:r>
+            <a:endParaRPr lang="en-US" altLang="zh-CN" dirty="0" smtClean="0"/>
+          </a:p>
+          <a:p>
+            <a:r>
+              <a:rPr lang="zh-CN" altLang="en-US" dirty="0" smtClean="0"/>
+              <a:t>参考：</a:t>
+            </a:r>
+            <a:endParaRPr lang="en-US" altLang="zh-CN" dirty="0" smtClean="0"/>
+          </a:p>
+          <a:p>
+            <a:r>
+              <a:rPr lang="en-US" altLang="zh-CN" sz="3200" dirty="0">
+                <a:hlinkClick r:id="rId2"/>
+              </a:rPr>
+              <a:t>http://www.w3cplus.com/sassguide</a:t>
+            </a:r>
+            <a:r>
+              <a:rPr lang="en-US" altLang="zh-CN" sz="3200" dirty="0" smtClean="0">
+                <a:hlinkClick r:id="rId2"/>
+              </a:rPr>
+              <a:t>/</a:t>
+            </a:r>
+            <a:endParaRPr lang="en-US" altLang="zh-CN" sz="3200" dirty="0" smtClean="0"/>
+          </a:p>
+          <a:p>
+            <a:endParaRPr lang="zh-CN" altLang="en-US" sz="3200" dirty="0"/>
+          </a:p>
+        </p:txBody>
+      </p:sp>
+    </p:spTree>
+    <p:extLst>
+      <p:ext uri="{BB962C8B-B14F-4D97-AF65-F5344CB8AC3E}">
+        <p14:creationId xmlns:p14="http://schemas.microsoft.com/office/powerpoint/2010/main" val="2658060181"/>
+      </p:ext>
+    </p:extLst>
+  </p:cSld>
+  <p:clrMapOvr>
+    <a:masterClrMapping/>
+  </p:clrMapOvr>
+  <p:timing>
+    <p:tnLst>
+      <p:par>
+        <p:cTn id="1" dur="indefinite" restart="never" nodeType="tmRoot"/>
+      </p:par>
+    </p:tnLst>
+  </p:timing>
+</p:sld>
+</file>
+
+<file path=ppt/slides/slide9.xml><?xml version="1.0" encoding="utf-8"?>
+<p:sld xmlns:a="http://schemas.openxmlformats.org/drawingml/2006/main" xmlns:r="http://schemas.openxmlformats.org/officeDocument/2006/relationships" xmlns:p="http://schemas.openxmlformats.org/presentationml/2006/main">
+  <p:cSld>
+    <p:spTree>
+      <p:nvGrpSpPr>
+        <p:cNvPr id="1" name=""/>
+        <p:cNvGrpSpPr/>
+        <p:nvPr/>
+      </p:nvGrpSpPr>
+      <p:grpSpPr>
+        <a:xfrm>
+          <a:off x="0" y="0"/>
+          <a:ext cx="0" cy="0"/>
+          <a:chOff x="0" y="0"/>
+          <a:chExt cx="0" cy="0"/>
+        </a:xfrm>
+      </p:grpSpPr>
+      <p:sp>
+        <p:nvSpPr>
+          <p:cNvPr id="2" name="标题 1"/>
+          <p:cNvSpPr>
+            <a:spLocks noGrp="1"/>
+          </p:cNvSpPr>
+          <p:nvPr>
+            <p:ph type="title"/>
+          </p:nvPr>
+        </p:nvSpPr>
+        <p:spPr/>
+        <p:txBody>
+          <a:bodyPr/>
+          <a:lstStyle/>
+          <a:p>
+            <a:r>
+              <a:rPr lang="en-US" altLang="zh-CN" dirty="0" smtClean="0"/>
+              <a:t>gulp</a:t>
+            </a:r>
+            <a:endParaRPr lang="zh-CN" altLang="en-US" dirty="0"/>
+          </a:p>
+        </p:txBody>
+      </p:sp>
+      <p:sp>
+        <p:nvSpPr>
+          <p:cNvPr id="3" name="内容占位符 2"/>
+          <p:cNvSpPr>
+            <a:spLocks noGrp="1"/>
+          </p:cNvSpPr>
+          <p:nvPr>
+            <p:ph idx="1"/>
+          </p:nvPr>
+        </p:nvSpPr>
+        <p:spPr>
+          <a:xfrm>
+            <a:off x="1097280" y="1932819"/>
+            <a:ext cx="10058400" cy="4206724"/>
+          </a:xfrm>
+        </p:spPr>
+        <p:txBody>
+          <a:bodyPr>
+            <a:normAutofit fontScale="85000" lnSpcReduction="20000"/>
+          </a:bodyPr>
+          <a:lstStyle/>
+          <a:p>
+            <a:pPr>
+              <a:lnSpc>
+                <a:spcPct val="120000"/>
+              </a:lnSpc>
+            </a:pPr>
+            <a:r>
+              <a:rPr lang="en-US" altLang="zh-CN" sz="2800" dirty="0"/>
+              <a:t>Gulp.js </a:t>
+            </a:r>
+            <a:r>
+              <a:rPr lang="zh-CN" altLang="en-US" sz="2800" dirty="0"/>
+              <a:t>是一个自动化构建工具</a:t>
+            </a:r>
+            <a:r>
+              <a:rPr lang="en-US" altLang="zh-CN" sz="2800" dirty="0"/>
+              <a:t>,</a:t>
+            </a:r>
+            <a:r>
+              <a:rPr lang="zh-CN" altLang="en-US" sz="2800" dirty="0"/>
+              <a:t>开发者可以使用它在项目开发过程中自动执行常见任务</a:t>
+            </a:r>
+            <a:r>
+              <a:rPr lang="zh-CN" altLang="en-US" sz="2800" dirty="0" smtClean="0"/>
+              <a:t>。</a:t>
+            </a:r>
+            <a:endParaRPr lang="en-US" altLang="zh-CN" sz="2800" dirty="0" smtClean="0"/>
+          </a:p>
+          <a:p>
+            <a:pPr marL="0" indent="0">
+              <a:lnSpc>
+                <a:spcPct val="120000"/>
+              </a:lnSpc>
+              <a:buNone/>
+            </a:pPr>
+            <a:r>
+              <a:rPr lang="zh-CN" altLang="en-US" sz="2800" dirty="0"/>
+              <a:t>本次项目</a:t>
+            </a:r>
+            <a:r>
+              <a:rPr lang="zh-CN" altLang="en-US" sz="2800" dirty="0" smtClean="0"/>
+              <a:t>中，使用</a:t>
+            </a:r>
+            <a:r>
+              <a:rPr lang="en-US" altLang="zh-CN" sz="2800" dirty="0" smtClean="0"/>
+              <a:t>gulp</a:t>
+            </a:r>
+            <a:r>
+              <a:rPr lang="zh-CN" altLang="en-US" sz="2800" dirty="0" smtClean="0"/>
+              <a:t>自动编译</a:t>
+            </a:r>
+            <a:r>
+              <a:rPr lang="en-US" altLang="zh-CN" sz="2800" dirty="0" smtClean="0"/>
+              <a:t>sass</a:t>
+            </a:r>
+            <a:r>
+              <a:rPr lang="zh-CN" altLang="en-US" sz="2800" dirty="0" smtClean="0"/>
+              <a:t>，监视</a:t>
+            </a:r>
+            <a:r>
+              <a:rPr lang="en-US" altLang="zh-CN" sz="2800" dirty="0" smtClean="0"/>
+              <a:t>HTML</a:t>
+            </a:r>
+            <a:r>
+              <a:rPr lang="zh-CN" altLang="en-US" sz="2800" dirty="0" smtClean="0"/>
+              <a:t>、</a:t>
+            </a:r>
+            <a:r>
+              <a:rPr lang="en-US" altLang="zh-CN" sz="2800" dirty="0" err="1" smtClean="0"/>
+              <a:t>js</a:t>
+            </a:r>
+            <a:r>
+              <a:rPr lang="zh-CN" altLang="en-US" sz="2800" dirty="0" smtClean="0"/>
+              <a:t>文件变化，自动刷新浏览器。</a:t>
+            </a:r>
+            <a:endParaRPr lang="en-US" altLang="zh-CN" sz="2800" dirty="0" smtClean="0"/>
+          </a:p>
+          <a:p>
+            <a:pPr marL="0" indent="0">
+              <a:lnSpc>
+                <a:spcPct val="120000"/>
+              </a:lnSpc>
+              <a:buNone/>
+            </a:pPr>
+            <a:r>
+              <a:rPr lang="zh-CN" altLang="en-US" sz="2800" dirty="0" smtClean="0"/>
+              <a:t>其他任务：代码打包、合并、压缩等。</a:t>
+            </a:r>
+            <a:endParaRPr lang="en-US" altLang="zh-CN" sz="2800" dirty="0"/>
+          </a:p>
+          <a:p>
+            <a:pPr marL="0" indent="0">
+              <a:buNone/>
+            </a:pPr>
+            <a:endParaRPr lang="en-US" altLang="zh-CN" sz="2800" dirty="0" smtClean="0"/>
+          </a:p>
+          <a:p>
+            <a:r>
+              <a:rPr lang="zh-CN" altLang="en-US" sz="2800" b="1" dirty="0" smtClean="0"/>
+              <a:t>参考：</a:t>
+            </a:r>
+            <a:endParaRPr lang="en-US" altLang="zh-CN" sz="2800" b="1" dirty="0" smtClean="0"/>
+          </a:p>
+          <a:p>
+            <a:r>
+              <a:rPr lang="en-US" altLang="zh-CN" sz="3200" dirty="0">
+                <a:hlinkClick r:id="rId2"/>
+              </a:rPr>
+              <a:t>http://gulpjs.com</a:t>
+            </a:r>
+            <a:r>
+              <a:rPr lang="en-US" altLang="zh-CN" sz="3200" dirty="0" smtClean="0">
+                <a:hlinkClick r:id="rId2"/>
+              </a:rPr>
+              <a:t>/</a:t>
+            </a:r>
+            <a:r>
+              <a:rPr lang="en-US" altLang="zh-CN" sz="3200" dirty="0" smtClean="0"/>
+              <a:t>  </a:t>
+            </a:r>
+          </a:p>
+          <a:p>
+            <a:r>
+              <a:rPr lang="en-US" altLang="zh-CN" sz="3200" dirty="0">
+                <a:hlinkClick r:id="rId3"/>
+              </a:rPr>
+              <a:t>http://www.gulpjs.com.cn</a:t>
+            </a:r>
+            <a:r>
+              <a:rPr lang="en-US" altLang="zh-CN" sz="3200" dirty="0" smtClean="0">
+                <a:hlinkClick r:id="rId3"/>
+              </a:rPr>
+              <a:t>/</a:t>
+            </a:r>
+            <a:endParaRPr lang="en-US" altLang="zh-CN" sz="3200" dirty="0" smtClean="0"/>
+          </a:p>
+          <a:p>
+            <a:endParaRPr lang="zh-CN" altLang="en-US" sz="3200" dirty="0"/>
+          </a:p>
+        </p:txBody>
+      </p:sp>
+    </p:spTree>
+    <p:extLst>
+      <p:ext uri="{BB962C8B-B14F-4D97-AF65-F5344CB8AC3E}">
+        <p14:creationId xmlns:p14="http://schemas.microsoft.com/office/powerpoint/2010/main" val="3536303183"/>
+      </p:ext>
+    </p:extLst>
+  </p:cSld>
+  <p:clrMapOvr>
+    <a:masterClrMapping/>
+  </p:clrMapOvr>
+  <p:timing>
+    <p:tnLst>
+      <p:par>
+        <p:cTn id="1" dur="indefinite" restart="never" nodeType="tmRoot"/>
+      </p:par>
+    </p:tnLst>
+  </p:timing>
 </p:sld>
 </file>
 
@@ -6567,4 +6581,265 @@
     </a:ext>
   </a:extLst>
 </a:theme>
+</file>
+
+<file path=ppt/theme/theme2.xml><?xml version="1.0" encoding="utf-8"?>
+<a:theme xmlns:a="http://schemas.openxmlformats.org/drawingml/2006/main" name="Office 主题​​">
+  <a:themeElements>
+    <a:clrScheme name="Office">
+      <a:dk1>
+        <a:sysClr val="windowText" lastClr="000000"/>
+      </a:dk1>
+      <a:lt1>
+        <a:sysClr val="window" lastClr="FFFFFF"/>
+      </a:lt1>
+      <a:dk2>
+        <a:srgbClr val="44546A"/>
+      </a:dk2>
+      <a:lt2>
+        <a:srgbClr val="E7E6E6"/>
+      </a:lt2>
+      <a:accent1>
+        <a:srgbClr val="5B9BD5"/>
+      </a:accent1>
+      <a:accent2>
+        <a:srgbClr val="ED7D31"/>
+      </a:accent2>
+      <a:accent3>
+        <a:srgbClr val="A5A5A5"/>
+      </a:accent3>
+      <a:accent4>
+        <a:srgbClr val="FFC000"/>
+      </a:accent4>
+      <a:accent5>
+        <a:srgbClr val="4472C4"/>
+      </a:accent5>
+      <a:accent6>
+        <a:srgbClr val="70AD47"/>
+      </a:accent6>
+      <a:hlink>
+        <a:srgbClr val="0563C1"/>
+      </a:hlink>
+      <a:folHlink>
+        <a:srgbClr val="954F72"/>
+      </a:folHlink>
+    </a:clrScheme>
+    <a:fontScheme name="Office">
+      <a:majorFont>
+        <a:latin typeface="等线 Light" panose="020F0302020204030204"/>
+        <a:ea typeface=""/>
+        <a:cs typeface=""/>
+        <a:font script="Jpan" typeface="游ゴシック Light"/>
+        <a:font script="Hang" typeface="맑은 고딕"/>
+        <a:font script="Hans" typeface="等线 Light"/>
+        <a:font script="Hant" typeface="新細明體"/>
+        <a:font script="Arab" typeface="Times New Roman"/>
+        <a:font script="Hebr" typeface="Times New Roman"/>
+        <a:font script="Thai" typeface="Angsana New"/>
+        <a:font script="Ethi" typeface="Nyala"/>
+        <a:font script="Beng" typeface="Vrinda"/>
+        <a:font script="Gujr" typeface="Shruti"/>
+        <a:font script="Khmr" typeface="MoolBoran"/>
+        <a:font script="Knda" typeface="Tunga"/>
+        <a:font script="Guru" typeface="Raavi"/>
+        <a:font script="Cans" typeface="Euphemia"/>
+        <a:font script="Cher" typeface="Plantagenet Cherokee"/>
+        <a:font script="Yiii" typeface="Microsoft Yi Baiti"/>
+        <a:font script="Tibt" typeface="Microsoft Himalaya"/>
+        <a:font script="Thaa" typeface="MV Boli"/>
+        <a:font script="Deva" typeface="Mangal"/>
+        <a:font script="Telu" typeface="Gautami"/>
+        <a:font script="Taml" typeface="Latha"/>
+        <a:font script="Syrc" typeface="Estrangelo Edessa"/>
+        <a:font script="Orya" typeface="Kalinga"/>
+        <a:font script="Mlym" typeface="Kartika"/>
+        <a:font script="Laoo" typeface="DokChampa"/>
+        <a:font script="Sinh" typeface="Iskoola Pota"/>
+        <a:font script="Mong" typeface="Mongolian Baiti"/>
+        <a:font script="Viet" typeface="Times New Roman"/>
+        <a:font script="Uigh" typeface="Microsoft Uighur"/>
+        <a:font script="Geor" typeface="Sylfaen"/>
+      </a:majorFont>
+      <a:minorFont>
+        <a:latin typeface="等线" panose="020F0502020204030204"/>
+        <a:ea typeface=""/>
+        <a:cs typeface=""/>
+        <a:font script="Jpan" typeface="游ゴシック"/>
+        <a:font script="Hang" typeface="맑은 고딕"/>
+        <a:font script="Hans" typeface="等线"/>
+        <a:font script="Hant" typeface="新細明體"/>
+        <a:font script="Arab" typeface="Arial"/>
+        <a:font script="Hebr" typeface="Arial"/>
+        <a:font script="Thai" typeface="Cordia New"/>
+        <a:font script="Ethi" typeface="Nyala"/>
+        <a:font script="Beng" typeface="Vrinda"/>
+        <a:font script="Gujr" typeface="Shruti"/>
+        <a:font script="Khmr" typeface="DaunPenh"/>
+        <a:font script="Knda" typeface="Tunga"/>
+        <a:font script="Guru" typeface="Raavi"/>
+        <a:font script="Cans" typeface="Euphemia"/>
+        <a:font script="Cher" typeface="Plantagenet Cherokee"/>
+        <a:font script="Yiii" typeface="Microsoft Yi Baiti"/>
+        <a:font script="Tibt" typeface="Microsoft Himalaya"/>
+        <a:font script="Thaa" typeface="MV Boli"/>
+        <a:font script="Deva" typeface="Mangal"/>
+        <a:font script="Telu" typeface="Gautami"/>
+        <a:font script="Taml" typeface="Latha"/>
+        <a:font script="Syrc" typeface="Estrangelo Edessa"/>
+        <a:font script="Orya" typeface="Kalinga"/>
+        <a:font script="Mlym" typeface="Kartika"/>
+        <a:font script="Laoo" typeface="DokChampa"/>
+        <a:font script="Sinh" typeface="Iskoola Pota"/>
+        <a:font script="Mong" typeface="Mongolian Baiti"/>
+        <a:font script="Viet" typeface="Arial"/>
+        <a:font script="Uigh" typeface="Microsoft Uighur"/>
+        <a:font script="Geor" typeface="Sylfaen"/>
+      </a:minorFont>
+    </a:fontScheme>
+    <a:fmtScheme name="Office">
+      <a:fillStyleLst>
+        <a:solidFill>
+          <a:schemeClr val="phClr"/>
+        </a:solidFill>
+        <a:gradFill rotWithShape="1">
+          <a:gsLst>
+            <a:gs pos="0">
+              <a:schemeClr val="phClr">
+                <a:lumMod val="110000"/>
+                <a:satMod val="105000"/>
+                <a:tint val="67000"/>
+              </a:schemeClr>
+            </a:gs>
+            <a:gs pos="50000">
+              <a:schemeClr val="phClr">
+                <a:lumMod val="105000"/>
+                <a:satMod val="103000"/>
+                <a:tint val="73000"/>
+              </a:schemeClr>
+            </a:gs>
+            <a:gs pos="100000">
+              <a:schemeClr val="phClr">
+                <a:lumMod val="105000"/>
+                <a:satMod val="109000"/>
+                <a:tint val="81000"/>
+              </a:schemeClr>
+            </a:gs>
+          </a:gsLst>
+          <a:lin ang="5400000" scaled="0"/>
+        </a:gradFill>
+        <a:gradFill rotWithShape="1">
+          <a:gsLst>
+            <a:gs pos="0">
+              <a:schemeClr val="phClr">
+                <a:satMod val="103000"/>
+                <a:lumMod val="102000"/>
+                <a:tint val="94000"/>
+              </a:schemeClr>
+            </a:gs>
+            <a:gs pos="50000">
+              <a:schemeClr val="phClr">
+                <a:satMod val="110000"/>
+                <a:lumMod val="100000"/>
+                <a:shade val="100000"/>
+              </a:schemeClr>
+            </a:gs>
+            <a:gs pos="100000">
+              <a:schemeClr val="phClr">
+                <a:lumMod val="99000"/>
+                <a:satMod val="120000"/>
+                <a:shade val="78000"/>
+              </a:schemeClr>
+            </a:gs>
+          </a:gsLst>
+          <a:lin ang="5400000" scaled="0"/>
+        </a:gradFill>
+      </a:fillStyleLst>
+      <a:lnStyleLst>
+        <a:ln w="6350" cap="flat" cmpd="sng" algn="ctr">
+          <a:solidFill>
+            <a:schemeClr val="phClr"/>
+          </a:solidFill>
+          <a:prstDash val="solid"/>
+          <a:miter lim="800000"/>
+        </a:ln>
+        <a:ln w="12700" cap="flat" cmpd="sng" algn="ctr">
+          <a:solidFill>
+            <a:schemeClr val="phClr"/>
+          </a:solidFill>
+          <a:prstDash val="solid"/>
+          <a:miter lim="800000"/>
+        </a:ln>
+        <a:ln w="19050" cap="flat" cmpd="sng" algn="ctr">
+          <a:solidFill>
+            <a:schemeClr val="phClr"/>
+          </a:solidFill>
+          <a:prstDash val="solid"/>
+          <a:miter lim="800000"/>
+        </a:ln>
+      </a:lnStyleLst>
+      <a:effectStyleLst>
+        <a:effectStyle>
+          <a:effectLst/>
+        </a:effectStyle>
+        <a:effectStyle>
+          <a:effectLst/>
+        </a:effectStyle>
+        <a:effectStyle>
+          <a:effectLst>
+            <a:outerShdw blurRad="57150" dist="19050" dir="5400000" algn="ctr" rotWithShape="0">
+              <a:srgbClr val="000000">
+                <a:alpha val="63000"/>
+              </a:srgbClr>
+            </a:outerShdw>
+          </a:effectLst>
+        </a:effectStyle>
+      </a:effectStyleLst>
+      <a:bgFillStyleLst>
+        <a:solidFill>
+          <a:schemeClr val="phClr"/>
+        </a:solidFill>
+        <a:solidFill>
+          <a:schemeClr val="phClr">
+            <a:tint val="95000"/>
+            <a:satMod val="170000"/>
+          </a:schemeClr>
+        </a:solidFill>
+        <a:gradFill rotWithShape="1">
+          <a:gsLst>
+            <a:gs pos="0">
+              <a:schemeClr val="phClr">
+                <a:tint val="93000"/>
+                <a:satMod val="150000"/>
+                <a:shade val="98000"/>
+                <a:lumMod val="102000"/>
+              </a:schemeClr>
+            </a:gs>
+            <a:gs pos="50000">
+              <a:schemeClr val="phClr">
+                <a:tint val="98000"/>
+                <a:satMod val="130000"/>
+                <a:shade val="90000"/>
+                <a:lumMod val="103000"/>
+              </a:schemeClr>
+            </a:gs>
+            <a:gs pos="100000">
+              <a:schemeClr val="phClr">
+                <a:shade val="63000"/>
+                <a:satMod val="120000"/>
+              </a:schemeClr>
+            </a:gs>
+          </a:gsLst>
+          <a:lin ang="5400000" scaled="0"/>
+        </a:gradFill>
+      </a:bgFillStyleLst>
+    </a:fmtScheme>
+  </a:themeElements>
+  <a:objectDefaults/>
+  <a:extraClrSchemeLst/>
+  <a:extLst>
+    <a:ext uri="{05A4C25C-085E-4340-85A3-A5531E510DB2}">
+      <thm15:themeFamily xmlns:thm15="http://schemas.microsoft.com/office/thememl/2012/main" name="Office Theme" id="{62F939B6-93AF-4DB8-9C6B-D6C7DFDC589F}" vid="{4A3C46E8-61CC-4603-A589-7422A47A8E4A}"/>
+    </a:ext>
+  </a:extLst>
+</a:theme>
 </file>